--- a/Proof-of-transfer.pptx
+++ b/Proof-of-transfer.pptx
@@ -5,26 +5,28 @@
     <p:sldMasterId id="2147483768" r:id="rId4"/>
   </p:sldMasterIdLst>
   <p:notesMasterIdLst>
-    <p:notesMasterId r:id="rId22"/>
+    <p:notesMasterId r:id="rId24"/>
   </p:notesMasterIdLst>
   <p:sldIdLst>
     <p:sldId id="3825" r:id="rId5"/>
     <p:sldId id="3826" r:id="rId6"/>
-    <p:sldId id="3845" r:id="rId7"/>
-    <p:sldId id="3847" r:id="rId8"/>
-    <p:sldId id="3846" r:id="rId9"/>
-    <p:sldId id="3828" r:id="rId10"/>
-    <p:sldId id="3840" r:id="rId11"/>
-    <p:sldId id="3841" r:id="rId12"/>
-    <p:sldId id="3835" r:id="rId13"/>
-    <p:sldId id="3836" r:id="rId14"/>
-    <p:sldId id="3827" r:id="rId15"/>
-    <p:sldId id="3843" r:id="rId16"/>
-    <p:sldId id="3842" r:id="rId17"/>
-    <p:sldId id="3844" r:id="rId18"/>
-    <p:sldId id="3838" r:id="rId19"/>
-    <p:sldId id="3837" r:id="rId20"/>
-    <p:sldId id="3839" r:id="rId21"/>
+    <p:sldId id="3860" r:id="rId7"/>
+    <p:sldId id="3845" r:id="rId8"/>
+    <p:sldId id="3847" r:id="rId9"/>
+    <p:sldId id="3846" r:id="rId10"/>
+    <p:sldId id="3828" r:id="rId11"/>
+    <p:sldId id="3848" r:id="rId12"/>
+    <p:sldId id="3849" r:id="rId13"/>
+    <p:sldId id="3840" r:id="rId14"/>
+    <p:sldId id="3841" r:id="rId15"/>
+    <p:sldId id="3835" r:id="rId16"/>
+    <p:sldId id="3836" r:id="rId17"/>
+    <p:sldId id="3859" r:id="rId18"/>
+    <p:sldId id="3827" r:id="rId19"/>
+    <p:sldId id="3843" r:id="rId20"/>
+    <p:sldId id="3842" r:id="rId21"/>
+    <p:sldId id="3844" r:id="rId22"/>
+    <p:sldId id="3838" r:id="rId23"/>
   </p:sldIdLst>
   <p:sldSz cx="12192000" cy="6858000"/>
   <p:notesSz cx="6858000" cy="9144000"/>
@@ -5485,7 +5487,7 @@
           <a:p>
             <a:fld id="{6C7BA811-8917-4F1D-B22F-E96045BFA4E0}" type="datetimeFigureOut">
               <a:rPr lang="en-US" smtClean="0"/>
-              <a:t>6/27/2023</a:t>
+              <a:t>11/29/2024</a:t>
             </a:fld>
             <a:endParaRPr lang="en-US" dirty="0"/>
           </a:p>
@@ -5820,7 +5822,7 @@
           <a:p>
             <a:fld id="{D40C6A29-4676-420C-BBE3-ACC2B80F64D4}" type="slidenum">
               <a:rPr lang="en-US" smtClean="0"/>
-              <a:t>11</a:t>
+              <a:t>15</a:t>
             </a:fld>
             <a:endParaRPr lang="en-US" dirty="0"/>
           </a:p>
@@ -18822,6 +18824,916 @@
           <p:cNvPr id="2" name="Title 1">
             <a:extLst>
               <a:ext uri="{FF2B5EF4-FFF2-40B4-BE49-F238E27FC236}">
+                <a16:creationId xmlns:a16="http://schemas.microsoft.com/office/drawing/2014/main" id="{711E7669-618C-BBAA-01C4-8BD22DFF620E}"/>
+              </a:ext>
+            </a:extLst>
+          </p:cNvPr>
+          <p:cNvSpPr>
+            <a:spLocks noGrp="1"/>
+          </p:cNvSpPr>
+          <p:nvPr>
+            <p:ph type="title"/>
+          </p:nvPr>
+        </p:nvSpPr>
+        <p:spPr/>
+        <p:txBody>
+          <a:bodyPr/>
+          <a:lstStyle/>
+          <a:p>
+            <a:r>
+              <a:rPr lang="en-US" dirty="0"/>
+              <a:t>Traditional contract properties</a:t>
+            </a:r>
+          </a:p>
+        </p:txBody>
+      </p:sp>
+      <p:sp>
+        <p:nvSpPr>
+          <p:cNvPr id="3" name="Date Placeholder 2">
+            <a:extLst>
+              <a:ext uri="{FF2B5EF4-FFF2-40B4-BE49-F238E27FC236}">
+                <a16:creationId xmlns:a16="http://schemas.microsoft.com/office/drawing/2014/main" id="{6AF6346F-6D5D-2543-C2C7-E6F3ECF9223D}"/>
+              </a:ext>
+            </a:extLst>
+          </p:cNvPr>
+          <p:cNvSpPr>
+            <a:spLocks noGrp="1"/>
+          </p:cNvSpPr>
+          <p:nvPr>
+            <p:ph type="dt" sz="half" idx="10"/>
+          </p:nvPr>
+        </p:nvSpPr>
+        <p:spPr/>
+        <p:txBody>
+          <a:bodyPr/>
+          <a:lstStyle/>
+          <a:p>
+            <a:pPr>
+              <a:defRPr/>
+            </a:pPr>
+            <a:r>
+              <a:rPr lang="en-US">
+                <a:solidFill>
+                  <a:prstClr val="black">
+                    <a:tint val="75000"/>
+                  </a:prstClr>
+                </a:solidFill>
+              </a:rPr>
+              <a:t>9/3/20XX</a:t>
+            </a:r>
+            <a:endParaRPr lang="en-US" dirty="0">
+              <a:solidFill>
+                <a:prstClr val="black">
+                  <a:tint val="75000"/>
+                </a:prstClr>
+              </a:solidFill>
+            </a:endParaRPr>
+          </a:p>
+        </p:txBody>
+      </p:sp>
+      <p:sp>
+        <p:nvSpPr>
+          <p:cNvPr id="4" name="Footer Placeholder 3">
+            <a:extLst>
+              <a:ext uri="{FF2B5EF4-FFF2-40B4-BE49-F238E27FC236}">
+                <a16:creationId xmlns:a16="http://schemas.microsoft.com/office/drawing/2014/main" id="{CB6116AD-0A41-F4A5-9F53-4283A1FF31C0}"/>
+              </a:ext>
+            </a:extLst>
+          </p:cNvPr>
+          <p:cNvSpPr>
+            <a:spLocks noGrp="1"/>
+          </p:cNvSpPr>
+          <p:nvPr>
+            <p:ph type="ftr" sz="quarter" idx="11"/>
+          </p:nvPr>
+        </p:nvSpPr>
+        <p:spPr/>
+        <p:txBody>
+          <a:bodyPr/>
+          <a:lstStyle/>
+          <a:p>
+            <a:pPr>
+              <a:defRPr/>
+            </a:pPr>
+            <a:r>
+              <a:rPr lang="en-US">
+                <a:solidFill>
+                  <a:prstClr val="black">
+                    <a:tint val="75000"/>
+                  </a:prstClr>
+                </a:solidFill>
+              </a:rPr>
+              <a:t>Presentation Title</a:t>
+            </a:r>
+            <a:endParaRPr lang="en-US" dirty="0">
+              <a:solidFill>
+                <a:prstClr val="black">
+                  <a:tint val="75000"/>
+                </a:prstClr>
+              </a:solidFill>
+            </a:endParaRPr>
+          </a:p>
+        </p:txBody>
+      </p:sp>
+      <p:sp>
+        <p:nvSpPr>
+          <p:cNvPr id="5" name="Slide Number Placeholder 4">
+            <a:extLst>
+              <a:ext uri="{FF2B5EF4-FFF2-40B4-BE49-F238E27FC236}">
+                <a16:creationId xmlns:a16="http://schemas.microsoft.com/office/drawing/2014/main" id="{AFBFDA12-7577-C60B-3462-3A6502C5F3DA}"/>
+              </a:ext>
+            </a:extLst>
+          </p:cNvPr>
+          <p:cNvSpPr>
+            <a:spLocks noGrp="1"/>
+          </p:cNvSpPr>
+          <p:nvPr>
+            <p:ph type="sldNum" sz="quarter" idx="12"/>
+          </p:nvPr>
+        </p:nvSpPr>
+        <p:spPr/>
+        <p:txBody>
+          <a:bodyPr/>
+          <a:lstStyle/>
+          <a:p>
+            <a:pPr>
+              <a:defRPr/>
+            </a:pPr>
+            <a:fld id="{D76B855D-E9CC-4FF8-AD85-6CDC7B89A0DE}" type="slidenum">
+              <a:rPr lang="en-US" smtClean="0">
+                <a:solidFill>
+                  <a:prstClr val="black">
+                    <a:tint val="75000"/>
+                  </a:prstClr>
+                </a:solidFill>
+              </a:rPr>
+              <a:pPr>
+                <a:defRPr/>
+              </a:pPr>
+              <a:t>10</a:t>
+            </a:fld>
+            <a:endParaRPr lang="en-US" dirty="0">
+              <a:solidFill>
+                <a:prstClr val="black">
+                  <a:tint val="75000"/>
+                </a:prstClr>
+              </a:solidFill>
+            </a:endParaRPr>
+          </a:p>
+        </p:txBody>
+      </p:sp>
+      <p:sp>
+        <p:nvSpPr>
+          <p:cNvPr id="6" name="Content Placeholder 5">
+            <a:extLst>
+              <a:ext uri="{FF2B5EF4-FFF2-40B4-BE49-F238E27FC236}">
+                <a16:creationId xmlns:a16="http://schemas.microsoft.com/office/drawing/2014/main" id="{F055F012-AD0B-E2BD-5149-1165C18BA823}"/>
+              </a:ext>
+            </a:extLst>
+          </p:cNvPr>
+          <p:cNvSpPr>
+            <a:spLocks noGrp="1"/>
+          </p:cNvSpPr>
+          <p:nvPr>
+            <p:ph idx="1"/>
+          </p:nvPr>
+        </p:nvSpPr>
+        <p:spPr/>
+        <p:txBody>
+          <a:bodyPr>
+            <a:normAutofit fontScale="92500" lnSpcReduction="20000"/>
+          </a:bodyPr>
+          <a:lstStyle/>
+          <a:p>
+            <a:pPr marL="0" indent="0">
+              <a:buNone/>
+            </a:pPr>
+            <a:r>
+              <a:rPr lang="en-US" dirty="0"/>
+              <a:t>Fair and transparent </a:t>
+            </a:r>
+          </a:p>
+          <a:p>
+            <a:pPr marL="0" indent="0">
+              <a:buNone/>
+            </a:pPr>
+            <a:endParaRPr lang="en-US" dirty="0"/>
+          </a:p>
+          <a:p>
+            <a:pPr marL="0" indent="0">
+              <a:buNone/>
+            </a:pPr>
+            <a:r>
+              <a:rPr lang="en-US" dirty="0"/>
+              <a:t>Terms/conditions: measurable inputs and outputs, schedules</a:t>
+            </a:r>
+          </a:p>
+          <a:p>
+            <a:pPr marL="0" indent="0">
+              <a:buNone/>
+            </a:pPr>
+            <a:endParaRPr lang="en-US" dirty="0"/>
+          </a:p>
+          <a:p>
+            <a:pPr marL="0" indent="0">
+              <a:buNone/>
+            </a:pPr>
+            <a:r>
+              <a:rPr lang="en-US" dirty="0"/>
+              <a:t>Legally enforceable </a:t>
+            </a:r>
+          </a:p>
+          <a:p>
+            <a:pPr marL="0" indent="0">
+              <a:buNone/>
+            </a:pPr>
+            <a:endParaRPr lang="en-US" dirty="0"/>
+          </a:p>
+          <a:p>
+            <a:pPr marL="0" indent="0">
+              <a:buNone/>
+            </a:pPr>
+            <a:r>
+              <a:rPr lang="en-US" dirty="0"/>
+              <a:t>Immutable	- settles once contract is executed</a:t>
+            </a:r>
+          </a:p>
+          <a:p>
+            <a:pPr marL="0" indent="0">
+              <a:buNone/>
+            </a:pPr>
+            <a:endParaRPr lang="en-US" dirty="0"/>
+          </a:p>
+          <a:p>
+            <a:pPr marL="0" indent="0">
+              <a:buNone/>
+            </a:pPr>
+            <a:r>
+              <a:rPr lang="en-US" dirty="0"/>
+              <a:t>Accomplish a goal</a:t>
+            </a:r>
+          </a:p>
+          <a:p>
+            <a:pPr marL="0" indent="0">
+              <a:buNone/>
+            </a:pPr>
+            <a:endParaRPr lang="en-US" dirty="0"/>
+          </a:p>
+          <a:p>
+            <a:pPr marL="0" indent="0">
+              <a:buNone/>
+            </a:pPr>
+            <a:endParaRPr lang="en-US" dirty="0"/>
+          </a:p>
+        </p:txBody>
+      </p:sp>
+    </p:spTree>
+    <p:extLst>
+      <p:ext uri="{BB962C8B-B14F-4D97-AF65-F5344CB8AC3E}">
+        <p14:creationId xmlns:p14="http://schemas.microsoft.com/office/powerpoint/2010/main" val="1355068606"/>
+      </p:ext>
+    </p:extLst>
+  </p:cSld>
+  <p:clrMapOvr>
+    <a:masterClrMapping/>
+  </p:clrMapOvr>
+</p:sld>
+</file>
+
+<file path=ppt/slides/slide11.xml><?xml version="1.0" encoding="utf-8"?>
+<p:sld xmlns:a="http://schemas.openxmlformats.org/drawingml/2006/main" xmlns:r="http://schemas.openxmlformats.org/officeDocument/2006/relationships" xmlns:p="http://schemas.openxmlformats.org/presentationml/2006/main">
+  <p:cSld>
+    <p:spTree>
+      <p:nvGrpSpPr>
+        <p:cNvPr id="1" name=""/>
+        <p:cNvGrpSpPr/>
+        <p:nvPr/>
+      </p:nvGrpSpPr>
+      <p:grpSpPr>
+        <a:xfrm>
+          <a:off x="0" y="0"/>
+          <a:ext cx="0" cy="0"/>
+          <a:chOff x="0" y="0"/>
+          <a:chExt cx="0" cy="0"/>
+        </a:xfrm>
+      </p:grpSpPr>
+      <p:sp>
+        <p:nvSpPr>
+          <p:cNvPr id="2" name="Title 1">
+            <a:extLst>
+              <a:ext uri="{FF2B5EF4-FFF2-40B4-BE49-F238E27FC236}">
+                <a16:creationId xmlns:a16="http://schemas.microsoft.com/office/drawing/2014/main" id="{37D5E1D1-E5BF-3728-5B56-CD32BDB6D6F6}"/>
+              </a:ext>
+            </a:extLst>
+          </p:cNvPr>
+          <p:cNvSpPr>
+            <a:spLocks noGrp="1"/>
+          </p:cNvSpPr>
+          <p:nvPr>
+            <p:ph type="title"/>
+          </p:nvPr>
+        </p:nvSpPr>
+        <p:spPr/>
+        <p:txBody>
+          <a:bodyPr/>
+          <a:lstStyle/>
+          <a:p>
+            <a:r>
+              <a:rPr lang="en-US" dirty="0"/>
+              <a:t>Smart contracts on proof of work Blockchains</a:t>
+            </a:r>
+          </a:p>
+        </p:txBody>
+      </p:sp>
+      <p:sp>
+        <p:nvSpPr>
+          <p:cNvPr id="3" name="Content Placeholder 2">
+            <a:extLst>
+              <a:ext uri="{FF2B5EF4-FFF2-40B4-BE49-F238E27FC236}">
+                <a16:creationId xmlns:a16="http://schemas.microsoft.com/office/drawing/2014/main" id="{94F5F691-08D7-3716-A257-B471ED72BABC}"/>
+              </a:ext>
+            </a:extLst>
+          </p:cNvPr>
+          <p:cNvSpPr>
+            <a:spLocks noGrp="1"/>
+          </p:cNvSpPr>
+          <p:nvPr>
+            <p:ph idx="1"/>
+          </p:nvPr>
+        </p:nvSpPr>
+        <p:spPr/>
+        <p:txBody>
+          <a:bodyPr>
+            <a:normAutofit fontScale="85000" lnSpcReduction="20000"/>
+          </a:bodyPr>
+          <a:lstStyle/>
+          <a:p>
+            <a:pPr marL="0" indent="0">
+              <a:buNone/>
+            </a:pPr>
+            <a:r>
+              <a:rPr lang="en-US" dirty="0"/>
+              <a:t>Fair and transparent – </a:t>
+            </a:r>
+            <a:r>
+              <a:rPr lang="en-US" i="1" dirty="0"/>
+              <a:t>no trusted third party</a:t>
+            </a:r>
+          </a:p>
+          <a:p>
+            <a:pPr marL="0" indent="0">
+              <a:buNone/>
+            </a:pPr>
+            <a:r>
+              <a:rPr lang="en-US" dirty="0"/>
+              <a:t> </a:t>
+            </a:r>
+          </a:p>
+          <a:p>
+            <a:pPr marL="0" indent="0">
+              <a:buNone/>
+            </a:pPr>
+            <a:r>
+              <a:rPr lang="en-US" dirty="0"/>
+              <a:t>Terms/conditions: measurable inputs and outputs, schedules</a:t>
+            </a:r>
+          </a:p>
+          <a:p>
+            <a:pPr marL="0" indent="0">
+              <a:buNone/>
+            </a:pPr>
+            <a:r>
+              <a:rPr lang="en-US" dirty="0"/>
+              <a:t>Distributed consensus - agree a contract’s terms/conditions are met</a:t>
+            </a:r>
+          </a:p>
+          <a:p>
+            <a:pPr marL="0" indent="0">
+              <a:buNone/>
+            </a:pPr>
+            <a:endParaRPr lang="en-US" dirty="0"/>
+          </a:p>
+          <a:p>
+            <a:pPr marL="0" indent="0">
+              <a:buNone/>
+            </a:pPr>
+            <a:r>
+              <a:rPr lang="en-US" dirty="0"/>
+              <a:t>Immutability </a:t>
+            </a:r>
+          </a:p>
+          <a:p>
+            <a:pPr marL="0" indent="0">
+              <a:buNone/>
+            </a:pPr>
+            <a:endParaRPr lang="en-US" dirty="0"/>
+          </a:p>
+          <a:p>
+            <a:pPr marL="0" indent="0">
+              <a:buNone/>
+            </a:pPr>
+            <a:r>
+              <a:rPr lang="en-US" dirty="0"/>
+              <a:t>Programmatically (legally) enforceable</a:t>
+            </a:r>
+          </a:p>
+          <a:p>
+            <a:pPr marL="0" indent="0">
+              <a:buNone/>
+            </a:pPr>
+            <a:endParaRPr lang="en-US" dirty="0"/>
+          </a:p>
+          <a:p>
+            <a:pPr marL="0" indent="0">
+              <a:buNone/>
+            </a:pPr>
+            <a:r>
+              <a:rPr lang="en-US" dirty="0"/>
+              <a:t>Accomplishes goals with crypto currency or tokens</a:t>
+            </a:r>
+          </a:p>
+          <a:p>
+            <a:pPr marL="0" indent="0">
+              <a:buNone/>
+            </a:pPr>
+            <a:endParaRPr lang="en-US" dirty="0"/>
+          </a:p>
+          <a:p>
+            <a:pPr marL="0" indent="0">
+              <a:buNone/>
+            </a:pPr>
+            <a:endParaRPr lang="en-US" dirty="0"/>
+          </a:p>
+        </p:txBody>
+      </p:sp>
+      <p:sp>
+        <p:nvSpPr>
+          <p:cNvPr id="4" name="Date Placeholder 3">
+            <a:extLst>
+              <a:ext uri="{FF2B5EF4-FFF2-40B4-BE49-F238E27FC236}">
+                <a16:creationId xmlns:a16="http://schemas.microsoft.com/office/drawing/2014/main" id="{319EA321-F75B-04C6-8F23-BB3323ACB241}"/>
+              </a:ext>
+            </a:extLst>
+          </p:cNvPr>
+          <p:cNvSpPr>
+            <a:spLocks noGrp="1"/>
+          </p:cNvSpPr>
+          <p:nvPr>
+            <p:ph type="dt" sz="half" idx="10"/>
+          </p:nvPr>
+        </p:nvSpPr>
+        <p:spPr/>
+        <p:txBody>
+          <a:bodyPr/>
+          <a:lstStyle/>
+          <a:p>
+            <a:pPr>
+              <a:defRPr/>
+            </a:pPr>
+            <a:r>
+              <a:rPr lang="en-US">
+                <a:solidFill>
+                  <a:prstClr val="black">
+                    <a:tint val="75000"/>
+                  </a:prstClr>
+                </a:solidFill>
+              </a:rPr>
+              <a:t>9/3/20XX</a:t>
+            </a:r>
+            <a:endParaRPr lang="en-US" dirty="0">
+              <a:solidFill>
+                <a:prstClr val="black">
+                  <a:tint val="75000"/>
+                </a:prstClr>
+              </a:solidFill>
+            </a:endParaRPr>
+          </a:p>
+        </p:txBody>
+      </p:sp>
+      <p:sp>
+        <p:nvSpPr>
+          <p:cNvPr id="5" name="Footer Placeholder 4">
+            <a:extLst>
+              <a:ext uri="{FF2B5EF4-FFF2-40B4-BE49-F238E27FC236}">
+                <a16:creationId xmlns:a16="http://schemas.microsoft.com/office/drawing/2014/main" id="{E0A6DB2F-D5DD-0FE3-F93C-685422D1276D}"/>
+              </a:ext>
+            </a:extLst>
+          </p:cNvPr>
+          <p:cNvSpPr>
+            <a:spLocks noGrp="1"/>
+          </p:cNvSpPr>
+          <p:nvPr>
+            <p:ph type="ftr" sz="quarter" idx="11"/>
+          </p:nvPr>
+        </p:nvSpPr>
+        <p:spPr/>
+        <p:txBody>
+          <a:bodyPr/>
+          <a:lstStyle/>
+          <a:p>
+            <a:pPr>
+              <a:defRPr/>
+            </a:pPr>
+            <a:r>
+              <a:rPr lang="en-US">
+                <a:solidFill>
+                  <a:prstClr val="black">
+                    <a:tint val="75000"/>
+                  </a:prstClr>
+                </a:solidFill>
+              </a:rPr>
+              <a:t>Presentation Title</a:t>
+            </a:r>
+            <a:endParaRPr lang="en-US" dirty="0">
+              <a:solidFill>
+                <a:prstClr val="black">
+                  <a:tint val="75000"/>
+                </a:prstClr>
+              </a:solidFill>
+            </a:endParaRPr>
+          </a:p>
+        </p:txBody>
+      </p:sp>
+      <p:sp>
+        <p:nvSpPr>
+          <p:cNvPr id="6" name="Slide Number Placeholder 5">
+            <a:extLst>
+              <a:ext uri="{FF2B5EF4-FFF2-40B4-BE49-F238E27FC236}">
+                <a16:creationId xmlns:a16="http://schemas.microsoft.com/office/drawing/2014/main" id="{3A37EE47-48AE-4B59-7204-AE9D9248054C}"/>
+              </a:ext>
+            </a:extLst>
+          </p:cNvPr>
+          <p:cNvSpPr>
+            <a:spLocks noGrp="1"/>
+          </p:cNvSpPr>
+          <p:nvPr>
+            <p:ph type="sldNum" sz="quarter" idx="12"/>
+          </p:nvPr>
+        </p:nvSpPr>
+        <p:spPr/>
+        <p:txBody>
+          <a:bodyPr/>
+          <a:lstStyle/>
+          <a:p>
+            <a:pPr>
+              <a:defRPr/>
+            </a:pPr>
+            <a:fld id="{D76B855D-E9CC-4FF8-AD85-6CDC7B89A0DE}" type="slidenum">
+              <a:rPr lang="en-US" smtClean="0">
+                <a:solidFill>
+                  <a:prstClr val="black">
+                    <a:tint val="75000"/>
+                  </a:prstClr>
+                </a:solidFill>
+              </a:rPr>
+              <a:pPr>
+                <a:defRPr/>
+              </a:pPr>
+              <a:t>11</a:t>
+            </a:fld>
+            <a:endParaRPr lang="en-US" dirty="0">
+              <a:solidFill>
+                <a:prstClr val="black">
+                  <a:tint val="75000"/>
+                </a:prstClr>
+              </a:solidFill>
+            </a:endParaRPr>
+          </a:p>
+        </p:txBody>
+      </p:sp>
+    </p:spTree>
+    <p:extLst>
+      <p:ext uri="{BB962C8B-B14F-4D97-AF65-F5344CB8AC3E}">
+        <p14:creationId xmlns:p14="http://schemas.microsoft.com/office/powerpoint/2010/main" val="3339657649"/>
+      </p:ext>
+    </p:extLst>
+  </p:cSld>
+  <p:clrMapOvr>
+    <a:masterClrMapping/>
+  </p:clrMapOvr>
+</p:sld>
+</file>
+
+<file path=ppt/slides/slide12.xml><?xml version="1.0" encoding="utf-8"?>
+<p:sld xmlns:a="http://schemas.openxmlformats.org/drawingml/2006/main" xmlns:r="http://schemas.openxmlformats.org/officeDocument/2006/relationships" xmlns:p="http://schemas.openxmlformats.org/presentationml/2006/main">
+  <p:cSld>
+    <p:spTree>
+      <p:nvGrpSpPr>
+        <p:cNvPr id="1" name=""/>
+        <p:cNvGrpSpPr/>
+        <p:nvPr/>
+      </p:nvGrpSpPr>
+      <p:grpSpPr>
+        <a:xfrm>
+          <a:off x="0" y="0"/>
+          <a:ext cx="0" cy="0"/>
+          <a:chOff x="0" y="0"/>
+          <a:chExt cx="0" cy="0"/>
+        </a:xfrm>
+      </p:grpSpPr>
+      <p:sp>
+        <p:nvSpPr>
+          <p:cNvPr id="2" name="Title 1">
+            <a:extLst>
+              <a:ext uri="{FF2B5EF4-FFF2-40B4-BE49-F238E27FC236}">
+                <a16:creationId xmlns:a16="http://schemas.microsoft.com/office/drawing/2014/main" id="{30E83DAE-B0D4-4ED2-368A-63DE4D6374FD}"/>
+              </a:ext>
+            </a:extLst>
+          </p:cNvPr>
+          <p:cNvSpPr>
+            <a:spLocks noGrp="1"/>
+          </p:cNvSpPr>
+          <p:nvPr>
+            <p:ph type="title"/>
+          </p:nvPr>
+        </p:nvSpPr>
+        <p:spPr/>
+        <p:txBody>
+          <a:bodyPr/>
+          <a:lstStyle/>
+          <a:p>
+            <a:r>
+              <a:rPr lang="en-US" dirty="0"/>
+              <a:t>Foundations – from blockchains</a:t>
+            </a:r>
+          </a:p>
+        </p:txBody>
+      </p:sp>
+      <p:sp>
+        <p:nvSpPr>
+          <p:cNvPr id="3" name="Date Placeholder 2">
+            <a:extLst>
+              <a:ext uri="{FF2B5EF4-FFF2-40B4-BE49-F238E27FC236}">
+                <a16:creationId xmlns:a16="http://schemas.microsoft.com/office/drawing/2014/main" id="{08849423-DDF9-C571-098F-F176C122DBE1}"/>
+              </a:ext>
+            </a:extLst>
+          </p:cNvPr>
+          <p:cNvSpPr>
+            <a:spLocks noGrp="1"/>
+          </p:cNvSpPr>
+          <p:nvPr>
+            <p:ph type="dt" sz="half" idx="10"/>
+          </p:nvPr>
+        </p:nvSpPr>
+        <p:spPr/>
+        <p:txBody>
+          <a:bodyPr/>
+          <a:lstStyle/>
+          <a:p>
+            <a:pPr>
+              <a:defRPr/>
+            </a:pPr>
+            <a:r>
+              <a:rPr lang="en-US">
+                <a:solidFill>
+                  <a:prstClr val="black">
+                    <a:tint val="75000"/>
+                  </a:prstClr>
+                </a:solidFill>
+              </a:rPr>
+              <a:t>9/3/20XX</a:t>
+            </a:r>
+            <a:endParaRPr lang="en-US" dirty="0">
+              <a:solidFill>
+                <a:prstClr val="black">
+                  <a:tint val="75000"/>
+                </a:prstClr>
+              </a:solidFill>
+            </a:endParaRPr>
+          </a:p>
+        </p:txBody>
+      </p:sp>
+      <p:sp>
+        <p:nvSpPr>
+          <p:cNvPr id="4" name="Footer Placeholder 3">
+            <a:extLst>
+              <a:ext uri="{FF2B5EF4-FFF2-40B4-BE49-F238E27FC236}">
+                <a16:creationId xmlns:a16="http://schemas.microsoft.com/office/drawing/2014/main" id="{9CD1FB81-134D-05E5-03B4-A8B223DF2BA2}"/>
+              </a:ext>
+            </a:extLst>
+          </p:cNvPr>
+          <p:cNvSpPr>
+            <a:spLocks noGrp="1"/>
+          </p:cNvSpPr>
+          <p:nvPr>
+            <p:ph type="ftr" sz="quarter" idx="11"/>
+          </p:nvPr>
+        </p:nvSpPr>
+        <p:spPr/>
+        <p:txBody>
+          <a:bodyPr/>
+          <a:lstStyle/>
+          <a:p>
+            <a:pPr>
+              <a:defRPr/>
+            </a:pPr>
+            <a:r>
+              <a:rPr lang="en-US">
+                <a:solidFill>
+                  <a:prstClr val="black">
+                    <a:tint val="75000"/>
+                  </a:prstClr>
+                </a:solidFill>
+              </a:rPr>
+              <a:t>Presentation Title</a:t>
+            </a:r>
+            <a:endParaRPr lang="en-US" dirty="0">
+              <a:solidFill>
+                <a:prstClr val="black">
+                  <a:tint val="75000"/>
+                </a:prstClr>
+              </a:solidFill>
+            </a:endParaRPr>
+          </a:p>
+        </p:txBody>
+      </p:sp>
+      <p:sp>
+        <p:nvSpPr>
+          <p:cNvPr id="5" name="Slide Number Placeholder 4">
+            <a:extLst>
+              <a:ext uri="{FF2B5EF4-FFF2-40B4-BE49-F238E27FC236}">
+                <a16:creationId xmlns:a16="http://schemas.microsoft.com/office/drawing/2014/main" id="{428EDC13-0C2A-E7DA-2BD2-D0835FA2C0F5}"/>
+              </a:ext>
+            </a:extLst>
+          </p:cNvPr>
+          <p:cNvSpPr>
+            <a:spLocks noGrp="1"/>
+          </p:cNvSpPr>
+          <p:nvPr>
+            <p:ph type="sldNum" sz="quarter" idx="12"/>
+          </p:nvPr>
+        </p:nvSpPr>
+        <p:spPr/>
+        <p:txBody>
+          <a:bodyPr/>
+          <a:lstStyle/>
+          <a:p>
+            <a:pPr>
+              <a:defRPr/>
+            </a:pPr>
+            <a:fld id="{D76B855D-E9CC-4FF8-AD85-6CDC7B89A0DE}" type="slidenum">
+              <a:rPr lang="en-US" smtClean="0">
+                <a:solidFill>
+                  <a:prstClr val="black">
+                    <a:tint val="75000"/>
+                  </a:prstClr>
+                </a:solidFill>
+              </a:rPr>
+              <a:pPr>
+                <a:defRPr/>
+              </a:pPr>
+              <a:t>12</a:t>
+            </a:fld>
+            <a:endParaRPr lang="en-US" dirty="0">
+              <a:solidFill>
+                <a:prstClr val="black">
+                  <a:tint val="75000"/>
+                </a:prstClr>
+              </a:solidFill>
+            </a:endParaRPr>
+          </a:p>
+        </p:txBody>
+      </p:sp>
+      <p:sp>
+        <p:nvSpPr>
+          <p:cNvPr id="6" name="Content Placeholder 5">
+            <a:extLst>
+              <a:ext uri="{FF2B5EF4-FFF2-40B4-BE49-F238E27FC236}">
+                <a16:creationId xmlns:a16="http://schemas.microsoft.com/office/drawing/2014/main" id="{EE5A71A8-EEB4-1868-D997-ED22A21AAD57}"/>
+              </a:ext>
+            </a:extLst>
+          </p:cNvPr>
+          <p:cNvSpPr>
+            <a:spLocks noGrp="1"/>
+          </p:cNvSpPr>
+          <p:nvPr>
+            <p:ph idx="1"/>
+          </p:nvPr>
+        </p:nvSpPr>
+        <p:spPr/>
+        <p:txBody>
+          <a:bodyPr vert="horz" lIns="91440" tIns="45720" rIns="91440" bIns="45720" rtlCol="0" anchor="t">
+            <a:normAutofit fontScale="92500" lnSpcReduction="20000"/>
+          </a:bodyPr>
+          <a:lstStyle/>
+          <a:p>
+            <a:pPr marL="0" indent="0">
+              <a:buNone/>
+            </a:pPr>
+            <a:r>
+              <a:rPr lang="en-US" dirty="0"/>
+              <a:t>Immutability – necessary for contracts</a:t>
+            </a:r>
+          </a:p>
+          <a:p>
+            <a:pPr marL="0" indent="0">
+              <a:buNone/>
+            </a:pPr>
+            <a:r>
+              <a:rPr lang="en-US" dirty="0"/>
+              <a:t>    Programs as smart contracts must be careful </a:t>
+            </a:r>
+          </a:p>
+          <a:p>
+            <a:pPr marL="0" indent="0">
+              <a:buNone/>
+            </a:pPr>
+            <a:endParaRPr lang="en-US" dirty="0"/>
+          </a:p>
+          <a:p>
+            <a:pPr marL="0" indent="0">
+              <a:buNone/>
+            </a:pPr>
+            <a:r>
+              <a:rPr lang="en-US" dirty="0"/>
+              <a:t>Distributed consensus - agree a contract’s terms/conditions are met</a:t>
+            </a:r>
+          </a:p>
+          <a:p>
+            <a:pPr marL="0" indent="0">
+              <a:buNone/>
+            </a:pPr>
+            <a:endParaRPr lang="en-US" dirty="0"/>
+          </a:p>
+          <a:p>
+            <a:pPr marL="0" indent="0">
+              <a:buNone/>
+            </a:pPr>
+            <a:r>
+              <a:rPr lang="en-US" dirty="0"/>
+              <a:t>Transfer </a:t>
+            </a:r>
+          </a:p>
+          <a:p>
+            <a:pPr marL="0" indent="0">
+              <a:buNone/>
+            </a:pPr>
+            <a:r>
+              <a:rPr lang="en-US" dirty="0"/>
+              <a:t>	Tokens – representation, abstraction</a:t>
+            </a:r>
+          </a:p>
+          <a:p>
+            <a:pPr marL="0" indent="0">
+              <a:buNone/>
+            </a:pPr>
+            <a:r>
+              <a:rPr lang="en-US" dirty="0"/>
+              <a:t>	Cryptocurrency – settlement </a:t>
+            </a:r>
+          </a:p>
+          <a:p>
+            <a:pPr marL="0" indent="0">
+              <a:buNone/>
+            </a:pPr>
+            <a:r>
+              <a:rPr lang="en-US" dirty="0"/>
+              <a:t>     </a:t>
+            </a:r>
+          </a:p>
+          <a:p>
+            <a:pPr marL="0" indent="0">
+              <a:buNone/>
+            </a:pPr>
+            <a:endParaRPr lang="en-US" dirty="0"/>
+          </a:p>
+        </p:txBody>
+      </p:sp>
+    </p:spTree>
+    <p:extLst>
+      <p:ext uri="{BB962C8B-B14F-4D97-AF65-F5344CB8AC3E}">
+        <p14:creationId xmlns:p14="http://schemas.microsoft.com/office/powerpoint/2010/main" val="4153081611"/>
+      </p:ext>
+    </p:extLst>
+  </p:cSld>
+  <p:clrMapOvr>
+    <a:masterClrMapping/>
+  </p:clrMapOvr>
+</p:sld>
+</file>
+
+<file path=ppt/slides/slide13.xml><?xml version="1.0" encoding="utf-8"?>
+<p:sld xmlns:a="http://schemas.openxmlformats.org/drawingml/2006/main" xmlns:r="http://schemas.openxmlformats.org/officeDocument/2006/relationships" xmlns:p="http://schemas.openxmlformats.org/presentationml/2006/main">
+  <p:cSld>
+    <p:spTree>
+      <p:nvGrpSpPr>
+        <p:cNvPr id="1" name=""/>
+        <p:cNvGrpSpPr/>
+        <p:nvPr/>
+      </p:nvGrpSpPr>
+      <p:grpSpPr>
+        <a:xfrm>
+          <a:off x="0" y="0"/>
+          <a:ext cx="0" cy="0"/>
+          <a:chOff x="0" y="0"/>
+          <a:chExt cx="0" cy="0"/>
+        </a:xfrm>
+      </p:grpSpPr>
+      <p:sp>
+        <p:nvSpPr>
+          <p:cNvPr id="2" name="Title 1">
+            <a:extLst>
+              <a:ext uri="{FF2B5EF4-FFF2-40B4-BE49-F238E27FC236}">
                 <a16:creationId xmlns:a16="http://schemas.microsoft.com/office/drawing/2014/main" id="{1EFC037F-9B04-45A9-8AE6-A8517884947F}"/>
               </a:ext>
             </a:extLst>
@@ -18943,6 +19855,13 @@
             <a:schemeClr val="lt1"/>
           </a:fontRef>
         </p:style>
+        <p:txBody>
+          <a:bodyPr/>
+          <a:lstStyle/>
+          <a:p>
+            <a:endParaRPr lang="en-US"/>
+          </a:p>
+        </p:txBody>
       </p:sp>
     </p:spTree>
     <p:extLst>
@@ -18957,7 +19876,2032 @@
 </p:sld>
 </file>
 
-<file path=ppt/slides/slide11.xml><?xml version="1.0" encoding="utf-8"?>
+<file path=ppt/slides/slide14.xml><?xml version="1.0" encoding="utf-8"?>
+<p:sld xmlns:a="http://schemas.openxmlformats.org/drawingml/2006/main" xmlns:r="http://schemas.openxmlformats.org/officeDocument/2006/relationships" xmlns:p="http://schemas.openxmlformats.org/presentationml/2006/main">
+  <p:cSld>
+    <p:spTree>
+      <p:nvGrpSpPr>
+        <p:cNvPr id="1" name=""/>
+        <p:cNvGrpSpPr/>
+        <p:nvPr/>
+      </p:nvGrpSpPr>
+      <p:grpSpPr>
+        <a:xfrm>
+          <a:off x="0" y="0"/>
+          <a:ext cx="0" cy="0"/>
+          <a:chOff x="0" y="0"/>
+          <a:chExt cx="0" cy="0"/>
+        </a:xfrm>
+      </p:grpSpPr>
+      <p:sp>
+        <p:nvSpPr>
+          <p:cNvPr id="2" name="Title 1">
+            <a:extLst>
+              <a:ext uri="{FF2B5EF4-FFF2-40B4-BE49-F238E27FC236}">
+                <a16:creationId xmlns:a16="http://schemas.microsoft.com/office/drawing/2014/main" id="{7BA2ACCA-4E10-0B5B-8930-345CF1505D82}"/>
+              </a:ext>
+            </a:extLst>
+          </p:cNvPr>
+          <p:cNvSpPr>
+            <a:spLocks noGrp="1"/>
+          </p:cNvSpPr>
+          <p:nvPr>
+            <p:ph type="title"/>
+          </p:nvPr>
+        </p:nvSpPr>
+        <p:spPr/>
+        <p:txBody>
+          <a:bodyPr/>
+          <a:lstStyle/>
+          <a:p>
+            <a:r>
+              <a:rPr lang="en-US" sz="3267" dirty="0">
+                <a:ea typeface="Calibri Light"/>
+                <a:cs typeface="Calibri Light"/>
+              </a:rPr>
+              <a:t>STX and Bitcoin</a:t>
+            </a:r>
+            <a:endParaRPr lang="en-US" dirty="0"/>
+          </a:p>
+        </p:txBody>
+      </p:sp>
+      <p:sp>
+        <p:nvSpPr>
+          <p:cNvPr id="4" name="Slide Number Placeholder 3">
+            <a:extLst>
+              <a:ext uri="{FF2B5EF4-FFF2-40B4-BE49-F238E27FC236}">
+                <a16:creationId xmlns:a16="http://schemas.microsoft.com/office/drawing/2014/main" id="{B50041EE-0791-37A2-421E-38E32AF5074D}"/>
+              </a:ext>
+            </a:extLst>
+          </p:cNvPr>
+          <p:cNvSpPr>
+            <a:spLocks noGrp="1"/>
+          </p:cNvSpPr>
+          <p:nvPr>
+            <p:ph type="sldNum" sz="quarter" idx="12"/>
+          </p:nvPr>
+        </p:nvSpPr>
+        <p:spPr/>
+        <p:txBody>
+          <a:bodyPr/>
+          <a:lstStyle/>
+          <a:p>
+            <a:fld id="{B6F15528-21DE-4FAA-801E-634DDDAF4B2B}" type="slidenum">
+              <a:rPr lang="en-US" smtClean="0"/>
+              <a:pPr/>
+              <a:t>14</a:t>
+            </a:fld>
+            <a:endParaRPr lang="en-US"/>
+          </a:p>
+        </p:txBody>
+      </p:sp>
+      <p:sp>
+        <p:nvSpPr>
+          <p:cNvPr id="8" name="TextBox 5">
+            <a:extLst>
+              <a:ext uri="{FF2B5EF4-FFF2-40B4-BE49-F238E27FC236}">
+                <a16:creationId xmlns:a16="http://schemas.microsoft.com/office/drawing/2014/main" id="{98448D2F-06F7-58F7-92B2-C12A9987F44D}"/>
+              </a:ext>
+            </a:extLst>
+          </p:cNvPr>
+          <p:cNvSpPr txBox="1">
+            <a:spLocks noChangeArrowheads="1"/>
+          </p:cNvSpPr>
+          <p:nvPr/>
+        </p:nvSpPr>
+        <p:spPr bwMode="auto">
+          <a:xfrm>
+            <a:off x="753005" y="3611452"/>
+            <a:ext cx="1467068" cy="830997"/>
+          </a:xfrm>
+          <a:prstGeom prst="rect">
+            <a:avLst/>
+          </a:prstGeom>
+          <a:solidFill>
+            <a:schemeClr val="tx1"/>
+          </a:solidFill>
+          <a:ln>
+            <a:noFill/>
+          </a:ln>
+        </p:spPr>
+        <p:txBody>
+          <a:bodyPr wrap="none">
+            <a:spAutoFit/>
+          </a:bodyPr>
+          <a:lstStyle>
+            <a:lvl1pPr eaLnBrk="0" hangingPunct="0">
+              <a:spcBef>
+                <a:spcPct val="20000"/>
+              </a:spcBef>
+              <a:buClr>
+                <a:schemeClr val="accent1"/>
+              </a:buClr>
+              <a:buSzPct val="70000"/>
+              <a:buFont typeface="Wingdings 2" charset="2"/>
+              <a:buChar char=""/>
+              <a:defRPr sz="3200">
+                <a:solidFill>
+                  <a:schemeClr val="tx2"/>
+                </a:solidFill>
+                <a:latin typeface="Franklin Gothic Book" charset="0"/>
+              </a:defRPr>
+            </a:lvl1pPr>
+            <a:lvl2pPr marL="742950" indent="-285750" eaLnBrk="0" hangingPunct="0">
+              <a:spcBef>
+                <a:spcPct val="20000"/>
+              </a:spcBef>
+              <a:buClr>
+                <a:schemeClr val="accent1"/>
+              </a:buClr>
+              <a:buSzPct val="70000"/>
+              <a:buFont typeface="Wingdings 2" charset="2"/>
+              <a:buChar char=""/>
+              <a:defRPr sz="2800">
+                <a:solidFill>
+                  <a:schemeClr val="tx2"/>
+                </a:solidFill>
+                <a:latin typeface="Franklin Gothic Book" charset="0"/>
+              </a:defRPr>
+            </a:lvl2pPr>
+            <a:lvl3pPr marL="1143000" indent="-228600" eaLnBrk="0" hangingPunct="0">
+              <a:spcBef>
+                <a:spcPct val="20000"/>
+              </a:spcBef>
+              <a:buClr>
+                <a:schemeClr val="accent1"/>
+              </a:buClr>
+              <a:buSzPct val="70000"/>
+              <a:buFont typeface="Wingdings 2" charset="2"/>
+              <a:buChar char=""/>
+              <a:defRPr sz="2400">
+                <a:solidFill>
+                  <a:schemeClr val="tx2"/>
+                </a:solidFill>
+                <a:latin typeface="Franklin Gothic Book" charset="0"/>
+              </a:defRPr>
+            </a:lvl3pPr>
+            <a:lvl4pPr marL="1600200" indent="-228600" eaLnBrk="0" hangingPunct="0">
+              <a:spcBef>
+                <a:spcPct val="20000"/>
+              </a:spcBef>
+              <a:buClr>
+                <a:schemeClr val="accent1"/>
+              </a:buClr>
+              <a:buSzPct val="70000"/>
+              <a:buFont typeface="Wingdings 2" charset="2"/>
+              <a:buChar char=""/>
+              <a:defRPr sz="2000">
+                <a:solidFill>
+                  <a:schemeClr val="tx2"/>
+                </a:solidFill>
+                <a:latin typeface="Franklin Gothic Book" charset="0"/>
+              </a:defRPr>
+            </a:lvl4pPr>
+            <a:lvl5pPr marL="2057400" indent="-228600" eaLnBrk="0" hangingPunct="0">
+              <a:spcBef>
+                <a:spcPct val="20000"/>
+              </a:spcBef>
+              <a:buClr>
+                <a:schemeClr val="accent1"/>
+              </a:buClr>
+              <a:buSzPct val="60000"/>
+              <a:buFont typeface="Wingdings 2" charset="2"/>
+              <a:buChar char=""/>
+              <a:defRPr>
+                <a:solidFill>
+                  <a:schemeClr val="tx2"/>
+                </a:solidFill>
+                <a:latin typeface="Franklin Gothic Book" charset="0"/>
+              </a:defRPr>
+            </a:lvl5pPr>
+            <a:lvl6pPr marL="2514600" indent="-228600" eaLnBrk="0" fontAlgn="base" hangingPunct="0">
+              <a:spcBef>
+                <a:spcPct val="20000"/>
+              </a:spcBef>
+              <a:spcAft>
+                <a:spcPct val="0"/>
+              </a:spcAft>
+              <a:buClr>
+                <a:schemeClr val="accent1"/>
+              </a:buClr>
+              <a:buSzPct val="60000"/>
+              <a:buFont typeface="Wingdings 2" charset="2"/>
+              <a:buChar char=""/>
+              <a:defRPr>
+                <a:solidFill>
+                  <a:schemeClr val="tx2"/>
+                </a:solidFill>
+                <a:latin typeface="Franklin Gothic Book" charset="0"/>
+              </a:defRPr>
+            </a:lvl6pPr>
+            <a:lvl7pPr marL="2971800" indent="-228600" eaLnBrk="0" fontAlgn="base" hangingPunct="0">
+              <a:spcBef>
+                <a:spcPct val="20000"/>
+              </a:spcBef>
+              <a:spcAft>
+                <a:spcPct val="0"/>
+              </a:spcAft>
+              <a:buClr>
+                <a:schemeClr val="accent1"/>
+              </a:buClr>
+              <a:buSzPct val="60000"/>
+              <a:buFont typeface="Wingdings 2" charset="2"/>
+              <a:buChar char=""/>
+              <a:defRPr>
+                <a:solidFill>
+                  <a:schemeClr val="tx2"/>
+                </a:solidFill>
+                <a:latin typeface="Franklin Gothic Book" charset="0"/>
+              </a:defRPr>
+            </a:lvl7pPr>
+            <a:lvl8pPr marL="3429000" indent="-228600" eaLnBrk="0" fontAlgn="base" hangingPunct="0">
+              <a:spcBef>
+                <a:spcPct val="20000"/>
+              </a:spcBef>
+              <a:spcAft>
+                <a:spcPct val="0"/>
+              </a:spcAft>
+              <a:buClr>
+                <a:schemeClr val="accent1"/>
+              </a:buClr>
+              <a:buSzPct val="60000"/>
+              <a:buFont typeface="Wingdings 2" charset="2"/>
+              <a:buChar char=""/>
+              <a:defRPr>
+                <a:solidFill>
+                  <a:schemeClr val="tx2"/>
+                </a:solidFill>
+                <a:latin typeface="Franklin Gothic Book" charset="0"/>
+              </a:defRPr>
+            </a:lvl8pPr>
+            <a:lvl9pPr marL="3886200" indent="-228600" eaLnBrk="0" fontAlgn="base" hangingPunct="0">
+              <a:spcBef>
+                <a:spcPct val="20000"/>
+              </a:spcBef>
+              <a:spcAft>
+                <a:spcPct val="0"/>
+              </a:spcAft>
+              <a:buClr>
+                <a:schemeClr val="accent1"/>
+              </a:buClr>
+              <a:buSzPct val="60000"/>
+              <a:buFont typeface="Wingdings 2" charset="2"/>
+              <a:buChar char=""/>
+              <a:defRPr>
+                <a:solidFill>
+                  <a:schemeClr val="tx2"/>
+                </a:solidFill>
+                <a:latin typeface="Franklin Gothic Book" charset="0"/>
+              </a:defRPr>
+            </a:lvl9pPr>
+          </a:lstStyle>
+          <a:p>
+            <a:pPr eaLnBrk="1" hangingPunct="1">
+              <a:spcBef>
+                <a:spcPct val="0"/>
+              </a:spcBef>
+              <a:buClrTx/>
+              <a:buSzTx/>
+              <a:buFontTx/>
+              <a:buNone/>
+            </a:pPr>
+            <a:r>
+              <a:rPr lang="en-US" altLang="en-US" sz="2400" dirty="0">
+                <a:solidFill>
+                  <a:schemeClr val="bg1"/>
+                </a:solidFill>
+              </a:rPr>
+              <a:t>Block 1+x</a:t>
+            </a:r>
+          </a:p>
+          <a:p>
+            <a:pPr eaLnBrk="1" hangingPunct="1">
+              <a:spcBef>
+                <a:spcPct val="0"/>
+              </a:spcBef>
+              <a:buClrTx/>
+              <a:buSzTx/>
+              <a:buFontTx/>
+              <a:buNone/>
+            </a:pPr>
+            <a:r>
+              <a:rPr lang="en-US" altLang="en-US" sz="2400" dirty="0">
+                <a:solidFill>
+                  <a:schemeClr val="bg1"/>
+                </a:solidFill>
+              </a:rPr>
+              <a:t>BTC</a:t>
+            </a:r>
+          </a:p>
+        </p:txBody>
+      </p:sp>
+      <p:sp>
+        <p:nvSpPr>
+          <p:cNvPr id="10" name="TextBox 6">
+            <a:extLst>
+              <a:ext uri="{FF2B5EF4-FFF2-40B4-BE49-F238E27FC236}">
+                <a16:creationId xmlns:a16="http://schemas.microsoft.com/office/drawing/2014/main" id="{3C4E0E65-6D56-1001-5C9B-2772D89B1CC0}"/>
+              </a:ext>
+            </a:extLst>
+          </p:cNvPr>
+          <p:cNvSpPr txBox="1">
+            <a:spLocks noChangeArrowheads="1"/>
+          </p:cNvSpPr>
+          <p:nvPr/>
+        </p:nvSpPr>
+        <p:spPr bwMode="auto">
+          <a:xfrm>
+            <a:off x="4533641" y="3609300"/>
+            <a:ext cx="1467068" cy="830997"/>
+          </a:xfrm>
+          <a:prstGeom prst="rect">
+            <a:avLst/>
+          </a:prstGeom>
+          <a:solidFill>
+            <a:schemeClr val="tx1"/>
+          </a:solidFill>
+          <a:ln>
+            <a:noFill/>
+          </a:ln>
+        </p:spPr>
+        <p:txBody>
+          <a:bodyPr wrap="none">
+            <a:spAutoFit/>
+          </a:bodyPr>
+          <a:lstStyle>
+            <a:lvl1pPr eaLnBrk="0" hangingPunct="0">
+              <a:spcBef>
+                <a:spcPct val="20000"/>
+              </a:spcBef>
+              <a:buClr>
+                <a:schemeClr val="accent1"/>
+              </a:buClr>
+              <a:buSzPct val="70000"/>
+              <a:buFont typeface="Wingdings 2" charset="2"/>
+              <a:buChar char=""/>
+              <a:defRPr sz="3200">
+                <a:solidFill>
+                  <a:schemeClr val="tx2"/>
+                </a:solidFill>
+                <a:latin typeface="Franklin Gothic Book" charset="0"/>
+              </a:defRPr>
+            </a:lvl1pPr>
+            <a:lvl2pPr marL="742950" indent="-285750" eaLnBrk="0" hangingPunct="0">
+              <a:spcBef>
+                <a:spcPct val="20000"/>
+              </a:spcBef>
+              <a:buClr>
+                <a:schemeClr val="accent1"/>
+              </a:buClr>
+              <a:buSzPct val="70000"/>
+              <a:buFont typeface="Wingdings 2" charset="2"/>
+              <a:buChar char=""/>
+              <a:defRPr sz="2800">
+                <a:solidFill>
+                  <a:schemeClr val="tx2"/>
+                </a:solidFill>
+                <a:latin typeface="Franklin Gothic Book" charset="0"/>
+              </a:defRPr>
+            </a:lvl2pPr>
+            <a:lvl3pPr marL="1143000" indent="-228600" eaLnBrk="0" hangingPunct="0">
+              <a:spcBef>
+                <a:spcPct val="20000"/>
+              </a:spcBef>
+              <a:buClr>
+                <a:schemeClr val="accent1"/>
+              </a:buClr>
+              <a:buSzPct val="70000"/>
+              <a:buFont typeface="Wingdings 2" charset="2"/>
+              <a:buChar char=""/>
+              <a:defRPr sz="2400">
+                <a:solidFill>
+                  <a:schemeClr val="tx2"/>
+                </a:solidFill>
+                <a:latin typeface="Franklin Gothic Book" charset="0"/>
+              </a:defRPr>
+            </a:lvl3pPr>
+            <a:lvl4pPr marL="1600200" indent="-228600" eaLnBrk="0" hangingPunct="0">
+              <a:spcBef>
+                <a:spcPct val="20000"/>
+              </a:spcBef>
+              <a:buClr>
+                <a:schemeClr val="accent1"/>
+              </a:buClr>
+              <a:buSzPct val="70000"/>
+              <a:buFont typeface="Wingdings 2" charset="2"/>
+              <a:buChar char=""/>
+              <a:defRPr sz="2000">
+                <a:solidFill>
+                  <a:schemeClr val="tx2"/>
+                </a:solidFill>
+                <a:latin typeface="Franklin Gothic Book" charset="0"/>
+              </a:defRPr>
+            </a:lvl4pPr>
+            <a:lvl5pPr marL="2057400" indent="-228600" eaLnBrk="0" hangingPunct="0">
+              <a:spcBef>
+                <a:spcPct val="20000"/>
+              </a:spcBef>
+              <a:buClr>
+                <a:schemeClr val="accent1"/>
+              </a:buClr>
+              <a:buSzPct val="60000"/>
+              <a:buFont typeface="Wingdings 2" charset="2"/>
+              <a:buChar char=""/>
+              <a:defRPr>
+                <a:solidFill>
+                  <a:schemeClr val="tx2"/>
+                </a:solidFill>
+                <a:latin typeface="Franklin Gothic Book" charset="0"/>
+              </a:defRPr>
+            </a:lvl5pPr>
+            <a:lvl6pPr marL="2514600" indent="-228600" eaLnBrk="0" fontAlgn="base" hangingPunct="0">
+              <a:spcBef>
+                <a:spcPct val="20000"/>
+              </a:spcBef>
+              <a:spcAft>
+                <a:spcPct val="0"/>
+              </a:spcAft>
+              <a:buClr>
+                <a:schemeClr val="accent1"/>
+              </a:buClr>
+              <a:buSzPct val="60000"/>
+              <a:buFont typeface="Wingdings 2" charset="2"/>
+              <a:buChar char=""/>
+              <a:defRPr>
+                <a:solidFill>
+                  <a:schemeClr val="tx2"/>
+                </a:solidFill>
+                <a:latin typeface="Franklin Gothic Book" charset="0"/>
+              </a:defRPr>
+            </a:lvl6pPr>
+            <a:lvl7pPr marL="2971800" indent="-228600" eaLnBrk="0" fontAlgn="base" hangingPunct="0">
+              <a:spcBef>
+                <a:spcPct val="20000"/>
+              </a:spcBef>
+              <a:spcAft>
+                <a:spcPct val="0"/>
+              </a:spcAft>
+              <a:buClr>
+                <a:schemeClr val="accent1"/>
+              </a:buClr>
+              <a:buSzPct val="60000"/>
+              <a:buFont typeface="Wingdings 2" charset="2"/>
+              <a:buChar char=""/>
+              <a:defRPr>
+                <a:solidFill>
+                  <a:schemeClr val="tx2"/>
+                </a:solidFill>
+                <a:latin typeface="Franklin Gothic Book" charset="0"/>
+              </a:defRPr>
+            </a:lvl7pPr>
+            <a:lvl8pPr marL="3429000" indent="-228600" eaLnBrk="0" fontAlgn="base" hangingPunct="0">
+              <a:spcBef>
+                <a:spcPct val="20000"/>
+              </a:spcBef>
+              <a:spcAft>
+                <a:spcPct val="0"/>
+              </a:spcAft>
+              <a:buClr>
+                <a:schemeClr val="accent1"/>
+              </a:buClr>
+              <a:buSzPct val="60000"/>
+              <a:buFont typeface="Wingdings 2" charset="2"/>
+              <a:buChar char=""/>
+              <a:defRPr>
+                <a:solidFill>
+                  <a:schemeClr val="tx2"/>
+                </a:solidFill>
+                <a:latin typeface="Franklin Gothic Book" charset="0"/>
+              </a:defRPr>
+            </a:lvl8pPr>
+            <a:lvl9pPr marL="3886200" indent="-228600" eaLnBrk="0" fontAlgn="base" hangingPunct="0">
+              <a:spcBef>
+                <a:spcPct val="20000"/>
+              </a:spcBef>
+              <a:spcAft>
+                <a:spcPct val="0"/>
+              </a:spcAft>
+              <a:buClr>
+                <a:schemeClr val="accent1"/>
+              </a:buClr>
+              <a:buSzPct val="60000"/>
+              <a:buFont typeface="Wingdings 2" charset="2"/>
+              <a:buChar char=""/>
+              <a:defRPr>
+                <a:solidFill>
+                  <a:schemeClr val="tx2"/>
+                </a:solidFill>
+                <a:latin typeface="Franklin Gothic Book" charset="0"/>
+              </a:defRPr>
+            </a:lvl9pPr>
+          </a:lstStyle>
+          <a:p>
+            <a:pPr eaLnBrk="1" hangingPunct="1">
+              <a:spcBef>
+                <a:spcPct val="0"/>
+              </a:spcBef>
+              <a:buClrTx/>
+              <a:buSzTx/>
+              <a:buFontTx/>
+              <a:buNone/>
+            </a:pPr>
+            <a:r>
+              <a:rPr lang="en-US" altLang="en-US" sz="2400" dirty="0">
+                <a:solidFill>
+                  <a:schemeClr val="bg1"/>
+                </a:solidFill>
+              </a:rPr>
+              <a:t>Block 2+x</a:t>
+            </a:r>
+          </a:p>
+          <a:p>
+            <a:pPr eaLnBrk="1" hangingPunct="1">
+              <a:spcBef>
+                <a:spcPct val="0"/>
+              </a:spcBef>
+              <a:buClrTx/>
+              <a:buSzTx/>
+              <a:buFontTx/>
+              <a:buNone/>
+            </a:pPr>
+            <a:r>
+              <a:rPr lang="en-US" altLang="en-US" sz="2400" dirty="0">
+                <a:solidFill>
+                  <a:schemeClr val="bg1"/>
+                </a:solidFill>
+              </a:rPr>
+              <a:t>BTC</a:t>
+            </a:r>
+          </a:p>
+        </p:txBody>
+      </p:sp>
+      <p:cxnSp>
+        <p:nvCxnSpPr>
+          <p:cNvPr id="12" name="Straight Arrow Connector 11">
+            <a:extLst>
+              <a:ext uri="{FF2B5EF4-FFF2-40B4-BE49-F238E27FC236}">
+                <a16:creationId xmlns:a16="http://schemas.microsoft.com/office/drawing/2014/main" id="{085E2D51-C23F-B2E1-5BF9-284143B3273D}"/>
+              </a:ext>
+            </a:extLst>
+          </p:cNvPr>
+          <p:cNvCxnSpPr/>
+          <p:nvPr/>
+        </p:nvCxnSpPr>
+        <p:spPr>
+          <a:xfrm>
+            <a:off x="1933464" y="4061764"/>
+            <a:ext cx="2635937" cy="12913"/>
+          </a:xfrm>
+          <a:prstGeom prst="straightConnector1">
+            <a:avLst/>
+          </a:prstGeom>
+          <a:ln>
+            <a:tailEnd type="arrow"/>
+          </a:ln>
+        </p:spPr>
+        <p:style>
+          <a:lnRef idx="3">
+            <a:schemeClr val="dk1"/>
+          </a:lnRef>
+          <a:fillRef idx="0">
+            <a:schemeClr val="dk1"/>
+          </a:fillRef>
+          <a:effectRef idx="2">
+            <a:schemeClr val="dk1"/>
+          </a:effectRef>
+          <a:fontRef idx="minor">
+            <a:schemeClr val="tx1"/>
+          </a:fontRef>
+        </p:style>
+      </p:cxnSp>
+      <p:sp>
+        <p:nvSpPr>
+          <p:cNvPr id="18" name="TextBox 14">
+            <a:extLst>
+              <a:ext uri="{FF2B5EF4-FFF2-40B4-BE49-F238E27FC236}">
+                <a16:creationId xmlns:a16="http://schemas.microsoft.com/office/drawing/2014/main" id="{1E885B9A-FDA3-09E9-712A-D559EF560F7A}"/>
+              </a:ext>
+            </a:extLst>
+          </p:cNvPr>
+          <p:cNvSpPr txBox="1">
+            <a:spLocks noChangeArrowheads="1"/>
+          </p:cNvSpPr>
+          <p:nvPr/>
+        </p:nvSpPr>
+        <p:spPr bwMode="auto">
+          <a:xfrm>
+            <a:off x="8815787" y="3652350"/>
+            <a:ext cx="1528624" cy="861774"/>
+          </a:xfrm>
+          <a:prstGeom prst="rect">
+            <a:avLst/>
+          </a:prstGeom>
+          <a:solidFill>
+            <a:schemeClr val="tx1"/>
+          </a:solidFill>
+          <a:ln>
+            <a:noFill/>
+          </a:ln>
+        </p:spPr>
+        <p:txBody>
+          <a:bodyPr wrap="none" lIns="121920" tIns="60960" rIns="121920" bIns="60960" anchor="t">
+            <a:spAutoFit/>
+          </a:bodyPr>
+          <a:lstStyle>
+            <a:lvl1pPr eaLnBrk="0" hangingPunct="0">
+              <a:spcBef>
+                <a:spcPct val="20000"/>
+              </a:spcBef>
+              <a:buClr>
+                <a:schemeClr val="accent1"/>
+              </a:buClr>
+              <a:buSzPct val="70000"/>
+              <a:buFont typeface="Wingdings 2" charset="2"/>
+              <a:buChar char=""/>
+              <a:defRPr sz="3200">
+                <a:solidFill>
+                  <a:schemeClr val="tx2"/>
+                </a:solidFill>
+                <a:latin typeface="Franklin Gothic Book" charset="0"/>
+              </a:defRPr>
+            </a:lvl1pPr>
+            <a:lvl2pPr marL="742950" indent="-285750" eaLnBrk="0" hangingPunct="0">
+              <a:spcBef>
+                <a:spcPct val="20000"/>
+              </a:spcBef>
+              <a:buClr>
+                <a:schemeClr val="accent1"/>
+              </a:buClr>
+              <a:buSzPct val="70000"/>
+              <a:buFont typeface="Wingdings 2" charset="2"/>
+              <a:buChar char=""/>
+              <a:defRPr sz="2800">
+                <a:solidFill>
+                  <a:schemeClr val="tx2"/>
+                </a:solidFill>
+                <a:latin typeface="Franklin Gothic Book" charset="0"/>
+              </a:defRPr>
+            </a:lvl2pPr>
+            <a:lvl3pPr marL="1143000" indent="-228600" eaLnBrk="0" hangingPunct="0">
+              <a:spcBef>
+                <a:spcPct val="20000"/>
+              </a:spcBef>
+              <a:buClr>
+                <a:schemeClr val="accent1"/>
+              </a:buClr>
+              <a:buSzPct val="70000"/>
+              <a:buFont typeface="Wingdings 2" charset="2"/>
+              <a:buChar char=""/>
+              <a:defRPr sz="2400">
+                <a:solidFill>
+                  <a:schemeClr val="tx2"/>
+                </a:solidFill>
+                <a:latin typeface="Franklin Gothic Book" charset="0"/>
+              </a:defRPr>
+            </a:lvl3pPr>
+            <a:lvl4pPr marL="1600200" indent="-228600" eaLnBrk="0" hangingPunct="0">
+              <a:spcBef>
+                <a:spcPct val="20000"/>
+              </a:spcBef>
+              <a:buClr>
+                <a:schemeClr val="accent1"/>
+              </a:buClr>
+              <a:buSzPct val="70000"/>
+              <a:buFont typeface="Wingdings 2" charset="2"/>
+              <a:buChar char=""/>
+              <a:defRPr sz="2000">
+                <a:solidFill>
+                  <a:schemeClr val="tx2"/>
+                </a:solidFill>
+                <a:latin typeface="Franklin Gothic Book" charset="0"/>
+              </a:defRPr>
+            </a:lvl4pPr>
+            <a:lvl5pPr marL="2057400" indent="-228600" eaLnBrk="0" hangingPunct="0">
+              <a:spcBef>
+                <a:spcPct val="20000"/>
+              </a:spcBef>
+              <a:buClr>
+                <a:schemeClr val="accent1"/>
+              </a:buClr>
+              <a:buSzPct val="60000"/>
+              <a:buFont typeface="Wingdings 2" charset="2"/>
+              <a:buChar char=""/>
+              <a:defRPr>
+                <a:solidFill>
+                  <a:schemeClr val="tx2"/>
+                </a:solidFill>
+                <a:latin typeface="Franklin Gothic Book" charset="0"/>
+              </a:defRPr>
+            </a:lvl5pPr>
+            <a:lvl6pPr marL="2514600" indent="-228600" eaLnBrk="0" fontAlgn="base" hangingPunct="0">
+              <a:spcBef>
+                <a:spcPct val="20000"/>
+              </a:spcBef>
+              <a:spcAft>
+                <a:spcPct val="0"/>
+              </a:spcAft>
+              <a:buClr>
+                <a:schemeClr val="accent1"/>
+              </a:buClr>
+              <a:buSzPct val="60000"/>
+              <a:buFont typeface="Wingdings 2" charset="2"/>
+              <a:buChar char=""/>
+              <a:defRPr>
+                <a:solidFill>
+                  <a:schemeClr val="tx2"/>
+                </a:solidFill>
+                <a:latin typeface="Franklin Gothic Book" charset="0"/>
+              </a:defRPr>
+            </a:lvl6pPr>
+            <a:lvl7pPr marL="2971800" indent="-228600" eaLnBrk="0" fontAlgn="base" hangingPunct="0">
+              <a:spcBef>
+                <a:spcPct val="20000"/>
+              </a:spcBef>
+              <a:spcAft>
+                <a:spcPct val="0"/>
+              </a:spcAft>
+              <a:buClr>
+                <a:schemeClr val="accent1"/>
+              </a:buClr>
+              <a:buSzPct val="60000"/>
+              <a:buFont typeface="Wingdings 2" charset="2"/>
+              <a:buChar char=""/>
+              <a:defRPr>
+                <a:solidFill>
+                  <a:schemeClr val="tx2"/>
+                </a:solidFill>
+                <a:latin typeface="Franklin Gothic Book" charset="0"/>
+              </a:defRPr>
+            </a:lvl7pPr>
+            <a:lvl8pPr marL="3429000" indent="-228600" eaLnBrk="0" fontAlgn="base" hangingPunct="0">
+              <a:spcBef>
+                <a:spcPct val="20000"/>
+              </a:spcBef>
+              <a:spcAft>
+                <a:spcPct val="0"/>
+              </a:spcAft>
+              <a:buClr>
+                <a:schemeClr val="accent1"/>
+              </a:buClr>
+              <a:buSzPct val="60000"/>
+              <a:buFont typeface="Wingdings 2" charset="2"/>
+              <a:buChar char=""/>
+              <a:defRPr>
+                <a:solidFill>
+                  <a:schemeClr val="tx2"/>
+                </a:solidFill>
+                <a:latin typeface="Franklin Gothic Book" charset="0"/>
+              </a:defRPr>
+            </a:lvl8pPr>
+            <a:lvl9pPr marL="3886200" indent="-228600" eaLnBrk="0" fontAlgn="base" hangingPunct="0">
+              <a:spcBef>
+                <a:spcPct val="20000"/>
+              </a:spcBef>
+              <a:spcAft>
+                <a:spcPct val="0"/>
+              </a:spcAft>
+              <a:buClr>
+                <a:schemeClr val="accent1"/>
+              </a:buClr>
+              <a:buSzPct val="60000"/>
+              <a:buFont typeface="Wingdings 2" charset="2"/>
+              <a:buChar char=""/>
+              <a:defRPr>
+                <a:solidFill>
+                  <a:schemeClr val="tx2"/>
+                </a:solidFill>
+                <a:latin typeface="Franklin Gothic Book" charset="0"/>
+              </a:defRPr>
+            </a:lvl9pPr>
+          </a:lstStyle>
+          <a:p>
+            <a:pPr eaLnBrk="1" hangingPunct="1">
+              <a:spcBef>
+                <a:spcPct val="0"/>
+              </a:spcBef>
+              <a:buClrTx/>
+              <a:buSzTx/>
+              <a:buFontTx/>
+              <a:buNone/>
+            </a:pPr>
+            <a:r>
+              <a:rPr lang="en-US" altLang="en-US" sz="2400" dirty="0">
+                <a:solidFill>
+                  <a:schemeClr val="bg1"/>
+                </a:solidFill>
+                <a:latin typeface="Franklin Gothic Book"/>
+              </a:rPr>
+              <a:t>Block 3+x</a:t>
+            </a:r>
+          </a:p>
+          <a:p>
+            <a:pPr eaLnBrk="1" hangingPunct="1">
+              <a:spcBef>
+                <a:spcPct val="0"/>
+              </a:spcBef>
+              <a:buClrTx/>
+              <a:buSzTx/>
+              <a:buFontTx/>
+              <a:buNone/>
+            </a:pPr>
+            <a:r>
+              <a:rPr lang="en-US" altLang="en-US" sz="2400" dirty="0">
+                <a:solidFill>
+                  <a:schemeClr val="bg1"/>
+                </a:solidFill>
+                <a:latin typeface="Franklin Gothic Book"/>
+              </a:rPr>
+              <a:t>BTC</a:t>
+            </a:r>
+            <a:endParaRPr lang="en-US" altLang="en-US" sz="2400" dirty="0">
+              <a:solidFill>
+                <a:schemeClr val="bg1"/>
+              </a:solidFill>
+            </a:endParaRPr>
+          </a:p>
+        </p:txBody>
+      </p:sp>
+      <p:cxnSp>
+        <p:nvCxnSpPr>
+          <p:cNvPr id="20" name="Straight Arrow Connector 19">
+            <a:extLst>
+              <a:ext uri="{FF2B5EF4-FFF2-40B4-BE49-F238E27FC236}">
+                <a16:creationId xmlns:a16="http://schemas.microsoft.com/office/drawing/2014/main" id="{29E12873-70AF-7618-5F24-240F883C8959}"/>
+              </a:ext>
+            </a:extLst>
+          </p:cNvPr>
+          <p:cNvCxnSpPr/>
+          <p:nvPr/>
+        </p:nvCxnSpPr>
+        <p:spPr>
+          <a:xfrm flipV="1">
+            <a:off x="9980527" y="4104078"/>
+            <a:ext cx="1668336" cy="985"/>
+          </a:xfrm>
+          <a:prstGeom prst="straightConnector1">
+            <a:avLst/>
+          </a:prstGeom>
+          <a:ln>
+            <a:tailEnd type="arrow"/>
+          </a:ln>
+        </p:spPr>
+        <p:style>
+          <a:lnRef idx="3">
+            <a:schemeClr val="dk1"/>
+          </a:lnRef>
+          <a:fillRef idx="0">
+            <a:schemeClr val="dk1"/>
+          </a:fillRef>
+          <a:effectRef idx="2">
+            <a:schemeClr val="dk1"/>
+          </a:effectRef>
+          <a:fontRef idx="minor">
+            <a:schemeClr val="tx1"/>
+          </a:fontRef>
+        </p:style>
+      </p:cxnSp>
+      <p:cxnSp>
+        <p:nvCxnSpPr>
+          <p:cNvPr id="29" name="Straight Arrow Connector 28">
+            <a:extLst>
+              <a:ext uri="{FF2B5EF4-FFF2-40B4-BE49-F238E27FC236}">
+                <a16:creationId xmlns:a16="http://schemas.microsoft.com/office/drawing/2014/main" id="{9AD44AD5-2F47-8BC9-6F66-DC4C292BA15C}"/>
+              </a:ext>
+            </a:extLst>
+          </p:cNvPr>
+          <p:cNvCxnSpPr>
+            <a:cxnSpLocks/>
+          </p:cNvCxnSpPr>
+          <p:nvPr/>
+        </p:nvCxnSpPr>
+        <p:spPr>
+          <a:xfrm flipV="1">
+            <a:off x="5752073" y="4083287"/>
+            <a:ext cx="3105191" cy="21525"/>
+          </a:xfrm>
+          <a:prstGeom prst="straightConnector1">
+            <a:avLst/>
+          </a:prstGeom>
+          <a:ln>
+            <a:tailEnd type="arrow"/>
+          </a:ln>
+        </p:spPr>
+        <p:style>
+          <a:lnRef idx="3">
+            <a:schemeClr val="dk1"/>
+          </a:lnRef>
+          <a:fillRef idx="0">
+            <a:schemeClr val="dk1"/>
+          </a:fillRef>
+          <a:effectRef idx="2">
+            <a:schemeClr val="dk1"/>
+          </a:effectRef>
+          <a:fontRef idx="minor">
+            <a:schemeClr val="tx1"/>
+          </a:fontRef>
+        </p:style>
+      </p:cxnSp>
+      <p:cxnSp>
+        <p:nvCxnSpPr>
+          <p:cNvPr id="30" name="Straight Arrow Connector 29">
+            <a:extLst>
+              <a:ext uri="{FF2B5EF4-FFF2-40B4-BE49-F238E27FC236}">
+                <a16:creationId xmlns:a16="http://schemas.microsoft.com/office/drawing/2014/main" id="{D3BBFC0E-E4BA-F470-176C-01070335519A}"/>
+              </a:ext>
+            </a:extLst>
+          </p:cNvPr>
+          <p:cNvCxnSpPr>
+            <a:cxnSpLocks/>
+          </p:cNvCxnSpPr>
+          <p:nvPr/>
+        </p:nvCxnSpPr>
+        <p:spPr>
+          <a:xfrm flipV="1">
+            <a:off x="156321" y="4052416"/>
+            <a:ext cx="617896" cy="18205"/>
+          </a:xfrm>
+          <a:prstGeom prst="straightConnector1">
+            <a:avLst/>
+          </a:prstGeom>
+          <a:ln>
+            <a:tailEnd type="arrow"/>
+          </a:ln>
+        </p:spPr>
+        <p:style>
+          <a:lnRef idx="3">
+            <a:schemeClr val="dk1"/>
+          </a:lnRef>
+          <a:fillRef idx="0">
+            <a:schemeClr val="dk1"/>
+          </a:fillRef>
+          <a:effectRef idx="2">
+            <a:schemeClr val="dk1"/>
+          </a:effectRef>
+          <a:fontRef idx="minor">
+            <a:schemeClr val="tx1"/>
+          </a:fontRef>
+        </p:style>
+      </p:cxnSp>
+      <p:sp>
+        <p:nvSpPr>
+          <p:cNvPr id="31" name="Flowchart: Multidocument 30">
+            <a:extLst>
+              <a:ext uri="{FF2B5EF4-FFF2-40B4-BE49-F238E27FC236}">
+                <a16:creationId xmlns:a16="http://schemas.microsoft.com/office/drawing/2014/main" id="{130C49AD-DBE0-2986-4723-6CDECAF83DAB}"/>
+              </a:ext>
+            </a:extLst>
+          </p:cNvPr>
+          <p:cNvSpPr/>
+          <p:nvPr/>
+        </p:nvSpPr>
+        <p:spPr>
+          <a:xfrm>
+            <a:off x="588181" y="3000106"/>
+            <a:ext cx="434812" cy="533829"/>
+          </a:xfrm>
+          <a:prstGeom prst="flowChartMultidocument">
+            <a:avLst/>
+          </a:prstGeom>
+          <a:solidFill>
+            <a:srgbClr val="ED7D31"/>
+          </a:solidFill>
+        </p:spPr>
+        <p:style>
+          <a:lnRef idx="2">
+            <a:schemeClr val="accent1">
+              <a:shade val="15000"/>
+            </a:schemeClr>
+          </a:lnRef>
+          <a:fillRef idx="1">
+            <a:schemeClr val="accent1"/>
+          </a:fillRef>
+          <a:effectRef idx="0">
+            <a:schemeClr val="accent1"/>
+          </a:effectRef>
+          <a:fontRef idx="minor">
+            <a:schemeClr val="lt1"/>
+          </a:fontRef>
+        </p:style>
+        <p:txBody>
+          <a:bodyPr rtlCol="0" anchor="ctr"/>
+          <a:lstStyle/>
+          <a:p>
+            <a:pPr algn="ctr"/>
+            <a:r>
+              <a:rPr lang="en-US" sz="2400" dirty="0"/>
+              <a:t>S</a:t>
+            </a:r>
+          </a:p>
+        </p:txBody>
+      </p:sp>
+      <p:cxnSp>
+        <p:nvCxnSpPr>
+          <p:cNvPr id="32" name="Straight Arrow Connector 31">
+            <a:extLst>
+              <a:ext uri="{FF2B5EF4-FFF2-40B4-BE49-F238E27FC236}">
+                <a16:creationId xmlns:a16="http://schemas.microsoft.com/office/drawing/2014/main" id="{EE4A33D2-C59A-3051-D3B9-A65E8B4BC9A1}"/>
+              </a:ext>
+            </a:extLst>
+          </p:cNvPr>
+          <p:cNvCxnSpPr>
+            <a:cxnSpLocks/>
+          </p:cNvCxnSpPr>
+          <p:nvPr/>
+        </p:nvCxnSpPr>
+        <p:spPr>
+          <a:xfrm>
+            <a:off x="1021643" y="3338753"/>
+            <a:ext cx="3209555" cy="11931"/>
+          </a:xfrm>
+          <a:prstGeom prst="straightConnector1">
+            <a:avLst/>
+          </a:prstGeom>
+          <a:ln>
+            <a:tailEnd type="arrow"/>
+          </a:ln>
+        </p:spPr>
+        <p:style>
+          <a:lnRef idx="3">
+            <a:schemeClr val="accent2"/>
+          </a:lnRef>
+          <a:fillRef idx="0">
+            <a:schemeClr val="accent2"/>
+          </a:fillRef>
+          <a:effectRef idx="2">
+            <a:schemeClr val="accent2"/>
+          </a:effectRef>
+          <a:fontRef idx="minor">
+            <a:schemeClr val="tx1"/>
+          </a:fontRef>
+        </p:style>
+      </p:cxnSp>
+      <p:sp>
+        <p:nvSpPr>
+          <p:cNvPr id="33" name="Flowchart: Multidocument 32">
+            <a:extLst>
+              <a:ext uri="{FF2B5EF4-FFF2-40B4-BE49-F238E27FC236}">
+                <a16:creationId xmlns:a16="http://schemas.microsoft.com/office/drawing/2014/main" id="{8E374515-4D55-849B-7B31-AF80D5C92ABB}"/>
+              </a:ext>
+            </a:extLst>
+          </p:cNvPr>
+          <p:cNvSpPr/>
+          <p:nvPr/>
+        </p:nvSpPr>
+        <p:spPr>
+          <a:xfrm>
+            <a:off x="4234587" y="3034546"/>
+            <a:ext cx="434812" cy="533829"/>
+          </a:xfrm>
+          <a:prstGeom prst="flowChartMultidocument">
+            <a:avLst/>
+          </a:prstGeom>
+          <a:solidFill>
+            <a:srgbClr val="ED7D31"/>
+          </a:solidFill>
+        </p:spPr>
+        <p:style>
+          <a:lnRef idx="2">
+            <a:schemeClr val="accent1">
+              <a:shade val="15000"/>
+            </a:schemeClr>
+          </a:lnRef>
+          <a:fillRef idx="1">
+            <a:schemeClr val="accent1"/>
+          </a:fillRef>
+          <a:effectRef idx="0">
+            <a:schemeClr val="accent1"/>
+          </a:effectRef>
+          <a:fontRef idx="minor">
+            <a:schemeClr val="lt1"/>
+          </a:fontRef>
+        </p:style>
+        <p:txBody>
+          <a:bodyPr rtlCol="0" anchor="ctr"/>
+          <a:lstStyle/>
+          <a:p>
+            <a:pPr algn="ctr"/>
+            <a:r>
+              <a:rPr lang="en-US" sz="2400" dirty="0"/>
+              <a:t>S</a:t>
+            </a:r>
+          </a:p>
+        </p:txBody>
+      </p:sp>
+      <p:cxnSp>
+        <p:nvCxnSpPr>
+          <p:cNvPr id="34" name="Straight Arrow Connector 33">
+            <a:extLst>
+              <a:ext uri="{FF2B5EF4-FFF2-40B4-BE49-F238E27FC236}">
+                <a16:creationId xmlns:a16="http://schemas.microsoft.com/office/drawing/2014/main" id="{9AED7830-9F49-1EBE-84A8-F46C52323D0E}"/>
+              </a:ext>
+            </a:extLst>
+          </p:cNvPr>
+          <p:cNvCxnSpPr>
+            <a:cxnSpLocks/>
+          </p:cNvCxnSpPr>
+          <p:nvPr/>
+        </p:nvCxnSpPr>
+        <p:spPr>
+          <a:xfrm>
+            <a:off x="4693879" y="3386113"/>
+            <a:ext cx="3911285" cy="7623"/>
+          </a:xfrm>
+          <a:prstGeom prst="straightConnector1">
+            <a:avLst/>
+          </a:prstGeom>
+          <a:ln>
+            <a:tailEnd type="arrow"/>
+          </a:ln>
+        </p:spPr>
+        <p:style>
+          <a:lnRef idx="3">
+            <a:schemeClr val="accent2"/>
+          </a:lnRef>
+          <a:fillRef idx="0">
+            <a:schemeClr val="accent2"/>
+          </a:fillRef>
+          <a:effectRef idx="2">
+            <a:schemeClr val="accent2"/>
+          </a:effectRef>
+          <a:fontRef idx="minor">
+            <a:schemeClr val="tx1"/>
+          </a:fontRef>
+        </p:style>
+      </p:cxnSp>
+      <p:sp>
+        <p:nvSpPr>
+          <p:cNvPr id="35" name="Flowchart: Multidocument 34">
+            <a:extLst>
+              <a:ext uri="{FF2B5EF4-FFF2-40B4-BE49-F238E27FC236}">
+                <a16:creationId xmlns:a16="http://schemas.microsoft.com/office/drawing/2014/main" id="{97A48FDB-4EB8-45EF-8B92-CBEACF343D24}"/>
+              </a:ext>
+            </a:extLst>
+          </p:cNvPr>
+          <p:cNvSpPr/>
+          <p:nvPr/>
+        </p:nvSpPr>
+        <p:spPr>
+          <a:xfrm>
+            <a:off x="8608553" y="3056071"/>
+            <a:ext cx="434812" cy="533829"/>
+          </a:xfrm>
+          <a:prstGeom prst="flowChartMultidocument">
+            <a:avLst/>
+          </a:prstGeom>
+          <a:solidFill>
+            <a:srgbClr val="ED7D31"/>
+          </a:solidFill>
+        </p:spPr>
+        <p:style>
+          <a:lnRef idx="2">
+            <a:schemeClr val="accent1">
+              <a:shade val="15000"/>
+            </a:schemeClr>
+          </a:lnRef>
+          <a:fillRef idx="1">
+            <a:schemeClr val="accent1"/>
+          </a:fillRef>
+          <a:effectRef idx="0">
+            <a:schemeClr val="accent1"/>
+          </a:effectRef>
+          <a:fontRef idx="minor">
+            <a:schemeClr val="lt1"/>
+          </a:fontRef>
+        </p:style>
+        <p:txBody>
+          <a:bodyPr rtlCol="0" anchor="ctr"/>
+          <a:lstStyle/>
+          <a:p>
+            <a:pPr algn="ctr"/>
+            <a:r>
+              <a:rPr lang="en-US" sz="2400" dirty="0"/>
+              <a:t>S</a:t>
+            </a:r>
+          </a:p>
+        </p:txBody>
+      </p:sp>
+      <p:cxnSp>
+        <p:nvCxnSpPr>
+          <p:cNvPr id="36" name="Straight Arrow Connector 35">
+            <a:extLst>
+              <a:ext uri="{FF2B5EF4-FFF2-40B4-BE49-F238E27FC236}">
+                <a16:creationId xmlns:a16="http://schemas.microsoft.com/office/drawing/2014/main" id="{2C5B97E4-3F89-25DA-31DE-7565DDD88944}"/>
+              </a:ext>
+            </a:extLst>
+          </p:cNvPr>
+          <p:cNvCxnSpPr>
+            <a:cxnSpLocks/>
+          </p:cNvCxnSpPr>
+          <p:nvPr/>
+        </p:nvCxnSpPr>
+        <p:spPr>
+          <a:xfrm flipV="1">
+            <a:off x="9007572" y="3350684"/>
+            <a:ext cx="2596247" cy="44036"/>
+          </a:xfrm>
+          <a:prstGeom prst="straightConnector1">
+            <a:avLst/>
+          </a:prstGeom>
+          <a:ln>
+            <a:tailEnd type="arrow"/>
+          </a:ln>
+        </p:spPr>
+        <p:style>
+          <a:lnRef idx="3">
+            <a:schemeClr val="accent2"/>
+          </a:lnRef>
+          <a:fillRef idx="0">
+            <a:schemeClr val="accent2"/>
+          </a:fillRef>
+          <a:effectRef idx="2">
+            <a:schemeClr val="accent2"/>
+          </a:effectRef>
+          <a:fontRef idx="minor">
+            <a:schemeClr val="tx1"/>
+          </a:fontRef>
+        </p:style>
+      </p:cxnSp>
+      <p:cxnSp>
+        <p:nvCxnSpPr>
+          <p:cNvPr id="37" name="Straight Arrow Connector 36">
+            <a:extLst>
+              <a:ext uri="{FF2B5EF4-FFF2-40B4-BE49-F238E27FC236}">
+                <a16:creationId xmlns:a16="http://schemas.microsoft.com/office/drawing/2014/main" id="{9070190C-DA25-9524-FFCE-F4564FF4F8F6}"/>
+              </a:ext>
+            </a:extLst>
+          </p:cNvPr>
+          <p:cNvCxnSpPr>
+            <a:cxnSpLocks/>
+          </p:cNvCxnSpPr>
+          <p:nvPr/>
+        </p:nvCxnSpPr>
+        <p:spPr>
+          <a:xfrm flipV="1">
+            <a:off x="220896" y="3471226"/>
+            <a:ext cx="402640" cy="5289"/>
+          </a:xfrm>
+          <a:prstGeom prst="straightConnector1">
+            <a:avLst/>
+          </a:prstGeom>
+          <a:ln>
+            <a:tailEnd type="arrow"/>
+          </a:ln>
+        </p:spPr>
+        <p:style>
+          <a:lnRef idx="3">
+            <a:schemeClr val="accent2"/>
+          </a:lnRef>
+          <a:fillRef idx="0">
+            <a:schemeClr val="accent2"/>
+          </a:fillRef>
+          <a:effectRef idx="2">
+            <a:schemeClr val="accent2"/>
+          </a:effectRef>
+          <a:fontRef idx="minor">
+            <a:schemeClr val="tx1"/>
+          </a:fontRef>
+        </p:style>
+      </p:cxnSp>
+      <p:sp>
+        <p:nvSpPr>
+          <p:cNvPr id="3" name="Flowchart: Multidocument 2">
+            <a:extLst>
+              <a:ext uri="{FF2B5EF4-FFF2-40B4-BE49-F238E27FC236}">
+                <a16:creationId xmlns:a16="http://schemas.microsoft.com/office/drawing/2014/main" id="{6C250E8B-2E6A-FDE2-DECE-2F660BB333C2}"/>
+              </a:ext>
+            </a:extLst>
+          </p:cNvPr>
+          <p:cNvSpPr/>
+          <p:nvPr/>
+        </p:nvSpPr>
+        <p:spPr>
+          <a:xfrm>
+            <a:off x="1239049" y="3000630"/>
+            <a:ext cx="434812" cy="533829"/>
+          </a:xfrm>
+          <a:prstGeom prst="flowChartMultidocument">
+            <a:avLst/>
+          </a:prstGeom>
+          <a:solidFill>
+            <a:srgbClr val="ED7D31"/>
+          </a:solidFill>
+        </p:spPr>
+        <p:style>
+          <a:lnRef idx="2">
+            <a:schemeClr val="accent1">
+              <a:shade val="15000"/>
+            </a:schemeClr>
+          </a:lnRef>
+          <a:fillRef idx="1">
+            <a:schemeClr val="accent1"/>
+          </a:fillRef>
+          <a:effectRef idx="0">
+            <a:schemeClr val="accent1"/>
+          </a:effectRef>
+          <a:fontRef idx="minor">
+            <a:schemeClr val="lt1"/>
+          </a:fontRef>
+        </p:style>
+        <p:txBody>
+          <a:bodyPr rtlCol="0" anchor="ctr"/>
+          <a:lstStyle/>
+          <a:p>
+            <a:pPr algn="ctr"/>
+            <a:r>
+              <a:rPr lang="en-US" sz="2400" dirty="0"/>
+              <a:t>S</a:t>
+            </a:r>
+          </a:p>
+        </p:txBody>
+      </p:sp>
+      <p:sp>
+        <p:nvSpPr>
+          <p:cNvPr id="5" name="Flowchart: Multidocument 4">
+            <a:extLst>
+              <a:ext uri="{FF2B5EF4-FFF2-40B4-BE49-F238E27FC236}">
+                <a16:creationId xmlns:a16="http://schemas.microsoft.com/office/drawing/2014/main" id="{16C72BE0-6109-CABC-A315-7B78EDC45D04}"/>
+              </a:ext>
+            </a:extLst>
+          </p:cNvPr>
+          <p:cNvSpPr/>
+          <p:nvPr/>
+        </p:nvSpPr>
+        <p:spPr>
+          <a:xfrm>
+            <a:off x="1889701" y="3034546"/>
+            <a:ext cx="434812" cy="533829"/>
+          </a:xfrm>
+          <a:prstGeom prst="flowChartMultidocument">
+            <a:avLst/>
+          </a:prstGeom>
+          <a:solidFill>
+            <a:srgbClr val="ED7D31"/>
+          </a:solidFill>
+        </p:spPr>
+        <p:style>
+          <a:lnRef idx="2">
+            <a:schemeClr val="accent1">
+              <a:shade val="15000"/>
+            </a:schemeClr>
+          </a:lnRef>
+          <a:fillRef idx="1">
+            <a:schemeClr val="accent1"/>
+          </a:fillRef>
+          <a:effectRef idx="0">
+            <a:schemeClr val="accent1"/>
+          </a:effectRef>
+          <a:fontRef idx="minor">
+            <a:schemeClr val="lt1"/>
+          </a:fontRef>
+        </p:style>
+        <p:txBody>
+          <a:bodyPr rtlCol="0" anchor="ctr"/>
+          <a:lstStyle/>
+          <a:p>
+            <a:pPr algn="ctr"/>
+            <a:r>
+              <a:rPr lang="en-US" sz="2400" dirty="0"/>
+              <a:t>S</a:t>
+            </a:r>
+          </a:p>
+        </p:txBody>
+      </p:sp>
+      <p:sp>
+        <p:nvSpPr>
+          <p:cNvPr id="6" name="Flowchart: Multidocument 5">
+            <a:extLst>
+              <a:ext uri="{FF2B5EF4-FFF2-40B4-BE49-F238E27FC236}">
+                <a16:creationId xmlns:a16="http://schemas.microsoft.com/office/drawing/2014/main" id="{F1AB97B0-75AE-F261-3588-A9F441EA2F83}"/>
+              </a:ext>
+            </a:extLst>
+          </p:cNvPr>
+          <p:cNvSpPr/>
+          <p:nvPr/>
+        </p:nvSpPr>
+        <p:spPr>
+          <a:xfrm>
+            <a:off x="4918570" y="3004134"/>
+            <a:ext cx="434812" cy="533829"/>
+          </a:xfrm>
+          <a:prstGeom prst="flowChartMultidocument">
+            <a:avLst/>
+          </a:prstGeom>
+          <a:solidFill>
+            <a:srgbClr val="ED7D31"/>
+          </a:solidFill>
+        </p:spPr>
+        <p:style>
+          <a:lnRef idx="2">
+            <a:schemeClr val="accent1">
+              <a:shade val="15000"/>
+            </a:schemeClr>
+          </a:lnRef>
+          <a:fillRef idx="1">
+            <a:schemeClr val="accent1"/>
+          </a:fillRef>
+          <a:effectRef idx="0">
+            <a:schemeClr val="accent1"/>
+          </a:effectRef>
+          <a:fontRef idx="minor">
+            <a:schemeClr val="lt1"/>
+          </a:fontRef>
+        </p:style>
+        <p:txBody>
+          <a:bodyPr rtlCol="0" anchor="ctr"/>
+          <a:lstStyle/>
+          <a:p>
+            <a:pPr algn="ctr"/>
+            <a:r>
+              <a:rPr lang="en-US" sz="2400" dirty="0"/>
+              <a:t>S</a:t>
+            </a:r>
+          </a:p>
+        </p:txBody>
+      </p:sp>
+      <p:sp>
+        <p:nvSpPr>
+          <p:cNvPr id="7" name="Flowchart: Multidocument 6">
+            <a:extLst>
+              <a:ext uri="{FF2B5EF4-FFF2-40B4-BE49-F238E27FC236}">
+                <a16:creationId xmlns:a16="http://schemas.microsoft.com/office/drawing/2014/main" id="{8CBEDF9B-3130-84CB-4FD4-ACC29C8555D5}"/>
+              </a:ext>
+            </a:extLst>
+          </p:cNvPr>
+          <p:cNvSpPr/>
+          <p:nvPr/>
+        </p:nvSpPr>
+        <p:spPr>
+          <a:xfrm>
+            <a:off x="5569222" y="3038050"/>
+            <a:ext cx="434812" cy="533829"/>
+          </a:xfrm>
+          <a:prstGeom prst="flowChartMultidocument">
+            <a:avLst/>
+          </a:prstGeom>
+          <a:solidFill>
+            <a:srgbClr val="ED7D31"/>
+          </a:solidFill>
+        </p:spPr>
+        <p:style>
+          <a:lnRef idx="2">
+            <a:schemeClr val="accent1">
+              <a:shade val="15000"/>
+            </a:schemeClr>
+          </a:lnRef>
+          <a:fillRef idx="1">
+            <a:schemeClr val="accent1"/>
+          </a:fillRef>
+          <a:effectRef idx="0">
+            <a:schemeClr val="accent1"/>
+          </a:effectRef>
+          <a:fontRef idx="minor">
+            <a:schemeClr val="lt1"/>
+          </a:fontRef>
+        </p:style>
+        <p:txBody>
+          <a:bodyPr rtlCol="0" anchor="ctr"/>
+          <a:lstStyle/>
+          <a:p>
+            <a:pPr algn="ctr"/>
+            <a:r>
+              <a:rPr lang="en-US" sz="2400" dirty="0"/>
+              <a:t>S</a:t>
+            </a:r>
+          </a:p>
+        </p:txBody>
+      </p:sp>
+      <p:sp>
+        <p:nvSpPr>
+          <p:cNvPr id="9" name="Oval 8">
+            <a:extLst>
+              <a:ext uri="{FF2B5EF4-FFF2-40B4-BE49-F238E27FC236}">
+                <a16:creationId xmlns:a16="http://schemas.microsoft.com/office/drawing/2014/main" id="{806E9E36-679F-D0C7-33CC-A13B3A860A3B}"/>
+              </a:ext>
+            </a:extLst>
+          </p:cNvPr>
+          <p:cNvSpPr/>
+          <p:nvPr/>
+        </p:nvSpPr>
+        <p:spPr>
+          <a:xfrm>
+            <a:off x="2570205" y="3188043"/>
+            <a:ext cx="181990" cy="240957"/>
+          </a:xfrm>
+          <a:prstGeom prst="ellipse">
+            <a:avLst/>
+          </a:prstGeom>
+        </p:spPr>
+        <p:style>
+          <a:lnRef idx="2">
+            <a:schemeClr val="accent1">
+              <a:shade val="15000"/>
+            </a:schemeClr>
+          </a:lnRef>
+          <a:fillRef idx="1">
+            <a:schemeClr val="accent1"/>
+          </a:fillRef>
+          <a:effectRef idx="0">
+            <a:schemeClr val="accent1"/>
+          </a:effectRef>
+          <a:fontRef idx="minor">
+            <a:schemeClr val="lt1"/>
+          </a:fontRef>
+        </p:style>
+        <p:txBody>
+          <a:bodyPr rtlCol="0" anchor="ctr"/>
+          <a:lstStyle/>
+          <a:p>
+            <a:pPr algn="ctr"/>
+            <a:endParaRPr lang="en-US"/>
+          </a:p>
+        </p:txBody>
+      </p:sp>
+      <p:sp>
+        <p:nvSpPr>
+          <p:cNvPr id="11" name="Oval 10">
+            <a:extLst>
+              <a:ext uri="{FF2B5EF4-FFF2-40B4-BE49-F238E27FC236}">
+                <a16:creationId xmlns:a16="http://schemas.microsoft.com/office/drawing/2014/main" id="{E759933C-0D95-E028-E5B1-A365EEA25FED}"/>
+              </a:ext>
+            </a:extLst>
+          </p:cNvPr>
+          <p:cNvSpPr/>
+          <p:nvPr/>
+        </p:nvSpPr>
+        <p:spPr>
+          <a:xfrm>
+            <a:off x="2992040" y="3202506"/>
+            <a:ext cx="181990" cy="240957"/>
+          </a:xfrm>
+          <a:prstGeom prst="ellipse">
+            <a:avLst/>
+          </a:prstGeom>
+        </p:spPr>
+        <p:style>
+          <a:lnRef idx="2">
+            <a:schemeClr val="accent1">
+              <a:shade val="15000"/>
+            </a:schemeClr>
+          </a:lnRef>
+          <a:fillRef idx="1">
+            <a:schemeClr val="accent1"/>
+          </a:fillRef>
+          <a:effectRef idx="0">
+            <a:schemeClr val="accent1"/>
+          </a:effectRef>
+          <a:fontRef idx="minor">
+            <a:schemeClr val="lt1"/>
+          </a:fontRef>
+        </p:style>
+        <p:txBody>
+          <a:bodyPr rtlCol="0" anchor="ctr"/>
+          <a:lstStyle/>
+          <a:p>
+            <a:pPr algn="ctr"/>
+            <a:endParaRPr lang="en-US"/>
+          </a:p>
+        </p:txBody>
+      </p:sp>
+      <p:sp>
+        <p:nvSpPr>
+          <p:cNvPr id="13" name="Oval 12">
+            <a:extLst>
+              <a:ext uri="{FF2B5EF4-FFF2-40B4-BE49-F238E27FC236}">
+                <a16:creationId xmlns:a16="http://schemas.microsoft.com/office/drawing/2014/main" id="{6AFC724B-6F68-04DC-B70F-208AD9C36A37}"/>
+              </a:ext>
+            </a:extLst>
+          </p:cNvPr>
+          <p:cNvSpPr/>
+          <p:nvPr/>
+        </p:nvSpPr>
+        <p:spPr>
+          <a:xfrm>
+            <a:off x="3401945" y="3230205"/>
+            <a:ext cx="181990" cy="240957"/>
+          </a:xfrm>
+          <a:prstGeom prst="ellipse">
+            <a:avLst/>
+          </a:prstGeom>
+        </p:spPr>
+        <p:style>
+          <a:lnRef idx="2">
+            <a:schemeClr val="accent1">
+              <a:shade val="15000"/>
+            </a:schemeClr>
+          </a:lnRef>
+          <a:fillRef idx="1">
+            <a:schemeClr val="accent1"/>
+          </a:fillRef>
+          <a:effectRef idx="0">
+            <a:schemeClr val="accent1"/>
+          </a:effectRef>
+          <a:fontRef idx="minor">
+            <a:schemeClr val="lt1"/>
+          </a:fontRef>
+        </p:style>
+        <p:txBody>
+          <a:bodyPr rtlCol="0" anchor="ctr"/>
+          <a:lstStyle/>
+          <a:p>
+            <a:pPr algn="ctr"/>
+            <a:endParaRPr lang="en-US"/>
+          </a:p>
+        </p:txBody>
+      </p:sp>
+      <p:sp>
+        <p:nvSpPr>
+          <p:cNvPr id="14" name="Oval 13">
+            <a:extLst>
+              <a:ext uri="{FF2B5EF4-FFF2-40B4-BE49-F238E27FC236}">
+                <a16:creationId xmlns:a16="http://schemas.microsoft.com/office/drawing/2014/main" id="{26390D8B-D051-9738-659D-148EC402A3E0}"/>
+              </a:ext>
+            </a:extLst>
+          </p:cNvPr>
+          <p:cNvSpPr/>
+          <p:nvPr/>
+        </p:nvSpPr>
+        <p:spPr>
+          <a:xfrm>
+            <a:off x="6239322" y="3250816"/>
+            <a:ext cx="181990" cy="240957"/>
+          </a:xfrm>
+          <a:prstGeom prst="ellipse">
+            <a:avLst/>
+          </a:prstGeom>
+        </p:spPr>
+        <p:style>
+          <a:lnRef idx="2">
+            <a:schemeClr val="accent1">
+              <a:shade val="15000"/>
+            </a:schemeClr>
+          </a:lnRef>
+          <a:fillRef idx="1">
+            <a:schemeClr val="accent1"/>
+          </a:fillRef>
+          <a:effectRef idx="0">
+            <a:schemeClr val="accent1"/>
+          </a:effectRef>
+          <a:fontRef idx="minor">
+            <a:schemeClr val="lt1"/>
+          </a:fontRef>
+        </p:style>
+        <p:txBody>
+          <a:bodyPr rtlCol="0" anchor="ctr"/>
+          <a:lstStyle/>
+          <a:p>
+            <a:pPr algn="ctr"/>
+            <a:endParaRPr lang="en-US"/>
+          </a:p>
+        </p:txBody>
+      </p:sp>
+      <p:sp>
+        <p:nvSpPr>
+          <p:cNvPr id="15" name="Oval 14">
+            <a:extLst>
+              <a:ext uri="{FF2B5EF4-FFF2-40B4-BE49-F238E27FC236}">
+                <a16:creationId xmlns:a16="http://schemas.microsoft.com/office/drawing/2014/main" id="{3E2C5C67-C121-4C13-6479-EF254B71BB65}"/>
+              </a:ext>
+            </a:extLst>
+          </p:cNvPr>
+          <p:cNvSpPr/>
+          <p:nvPr/>
+        </p:nvSpPr>
+        <p:spPr>
+          <a:xfrm>
+            <a:off x="6661157" y="3265279"/>
+            <a:ext cx="181990" cy="240957"/>
+          </a:xfrm>
+          <a:prstGeom prst="ellipse">
+            <a:avLst/>
+          </a:prstGeom>
+        </p:spPr>
+        <p:style>
+          <a:lnRef idx="2">
+            <a:schemeClr val="accent1">
+              <a:shade val="15000"/>
+            </a:schemeClr>
+          </a:lnRef>
+          <a:fillRef idx="1">
+            <a:schemeClr val="accent1"/>
+          </a:fillRef>
+          <a:effectRef idx="0">
+            <a:schemeClr val="accent1"/>
+          </a:effectRef>
+          <a:fontRef idx="minor">
+            <a:schemeClr val="lt1"/>
+          </a:fontRef>
+        </p:style>
+        <p:txBody>
+          <a:bodyPr rtlCol="0" anchor="ctr"/>
+          <a:lstStyle/>
+          <a:p>
+            <a:pPr algn="ctr"/>
+            <a:endParaRPr lang="en-US"/>
+          </a:p>
+        </p:txBody>
+      </p:sp>
+      <p:sp>
+        <p:nvSpPr>
+          <p:cNvPr id="16" name="Oval 15">
+            <a:extLst>
+              <a:ext uri="{FF2B5EF4-FFF2-40B4-BE49-F238E27FC236}">
+                <a16:creationId xmlns:a16="http://schemas.microsoft.com/office/drawing/2014/main" id="{D3F16F67-FBD2-EB0E-03CC-747B61A7B7AA}"/>
+              </a:ext>
+            </a:extLst>
+          </p:cNvPr>
+          <p:cNvSpPr/>
+          <p:nvPr/>
+        </p:nvSpPr>
+        <p:spPr>
+          <a:xfrm>
+            <a:off x="7071062" y="3292978"/>
+            <a:ext cx="181990" cy="240957"/>
+          </a:xfrm>
+          <a:prstGeom prst="ellipse">
+            <a:avLst/>
+          </a:prstGeom>
+        </p:spPr>
+        <p:style>
+          <a:lnRef idx="2">
+            <a:schemeClr val="accent1">
+              <a:shade val="15000"/>
+            </a:schemeClr>
+          </a:lnRef>
+          <a:fillRef idx="1">
+            <a:schemeClr val="accent1"/>
+          </a:fillRef>
+          <a:effectRef idx="0">
+            <a:schemeClr val="accent1"/>
+          </a:effectRef>
+          <a:fontRef idx="minor">
+            <a:schemeClr val="lt1"/>
+          </a:fontRef>
+        </p:style>
+        <p:txBody>
+          <a:bodyPr rtlCol="0" anchor="ctr"/>
+          <a:lstStyle/>
+          <a:p>
+            <a:pPr algn="ctr"/>
+            <a:endParaRPr lang="en-US"/>
+          </a:p>
+        </p:txBody>
+      </p:sp>
+      <p:sp>
+        <p:nvSpPr>
+          <p:cNvPr id="17" name="Oval 16">
+            <a:extLst>
+              <a:ext uri="{FF2B5EF4-FFF2-40B4-BE49-F238E27FC236}">
+                <a16:creationId xmlns:a16="http://schemas.microsoft.com/office/drawing/2014/main" id="{B1D9037E-AC39-D469-2C24-38655D5F6DF9}"/>
+              </a:ext>
+            </a:extLst>
+          </p:cNvPr>
+          <p:cNvSpPr/>
+          <p:nvPr/>
+        </p:nvSpPr>
+        <p:spPr>
+          <a:xfrm>
+            <a:off x="11187390" y="3252223"/>
+            <a:ext cx="181990" cy="240957"/>
+          </a:xfrm>
+          <a:prstGeom prst="ellipse">
+            <a:avLst/>
+          </a:prstGeom>
+        </p:spPr>
+        <p:style>
+          <a:lnRef idx="2">
+            <a:schemeClr val="accent1">
+              <a:shade val="15000"/>
+            </a:schemeClr>
+          </a:lnRef>
+          <a:fillRef idx="1">
+            <a:schemeClr val="accent1"/>
+          </a:fillRef>
+          <a:effectRef idx="0">
+            <a:schemeClr val="accent1"/>
+          </a:effectRef>
+          <a:fontRef idx="minor">
+            <a:schemeClr val="lt1"/>
+          </a:fontRef>
+        </p:style>
+        <p:txBody>
+          <a:bodyPr rtlCol="0" anchor="ctr"/>
+          <a:lstStyle/>
+          <a:p>
+            <a:pPr algn="ctr"/>
+            <a:endParaRPr lang="en-US"/>
+          </a:p>
+        </p:txBody>
+      </p:sp>
+      <p:sp>
+        <p:nvSpPr>
+          <p:cNvPr id="19" name="Oval 18">
+            <a:extLst>
+              <a:ext uri="{FF2B5EF4-FFF2-40B4-BE49-F238E27FC236}">
+                <a16:creationId xmlns:a16="http://schemas.microsoft.com/office/drawing/2014/main" id="{B9B7C45D-7B6D-8F12-711D-DC67E22DC255}"/>
+              </a:ext>
+            </a:extLst>
+          </p:cNvPr>
+          <p:cNvSpPr/>
+          <p:nvPr/>
+        </p:nvSpPr>
+        <p:spPr>
+          <a:xfrm>
+            <a:off x="10361056" y="3244668"/>
+            <a:ext cx="181990" cy="240957"/>
+          </a:xfrm>
+          <a:prstGeom prst="ellipse">
+            <a:avLst/>
+          </a:prstGeom>
+        </p:spPr>
+        <p:style>
+          <a:lnRef idx="2">
+            <a:schemeClr val="accent1">
+              <a:shade val="15000"/>
+            </a:schemeClr>
+          </a:lnRef>
+          <a:fillRef idx="1">
+            <a:schemeClr val="accent1"/>
+          </a:fillRef>
+          <a:effectRef idx="0">
+            <a:schemeClr val="accent1"/>
+          </a:effectRef>
+          <a:fontRef idx="minor">
+            <a:schemeClr val="lt1"/>
+          </a:fontRef>
+        </p:style>
+        <p:txBody>
+          <a:bodyPr rtlCol="0" anchor="ctr"/>
+          <a:lstStyle/>
+          <a:p>
+            <a:pPr algn="ctr"/>
+            <a:endParaRPr lang="en-US"/>
+          </a:p>
+        </p:txBody>
+      </p:sp>
+      <p:sp>
+        <p:nvSpPr>
+          <p:cNvPr id="21" name="Oval 20">
+            <a:extLst>
+              <a:ext uri="{FF2B5EF4-FFF2-40B4-BE49-F238E27FC236}">
+                <a16:creationId xmlns:a16="http://schemas.microsoft.com/office/drawing/2014/main" id="{4F3ED137-3307-380B-316A-D01B5434117B}"/>
+              </a:ext>
+            </a:extLst>
+          </p:cNvPr>
+          <p:cNvSpPr/>
+          <p:nvPr/>
+        </p:nvSpPr>
+        <p:spPr>
+          <a:xfrm>
+            <a:off x="10770961" y="3272367"/>
+            <a:ext cx="181990" cy="240957"/>
+          </a:xfrm>
+          <a:prstGeom prst="ellipse">
+            <a:avLst/>
+          </a:prstGeom>
+        </p:spPr>
+        <p:style>
+          <a:lnRef idx="2">
+            <a:schemeClr val="accent1">
+              <a:shade val="15000"/>
+            </a:schemeClr>
+          </a:lnRef>
+          <a:fillRef idx="1">
+            <a:schemeClr val="accent1"/>
+          </a:fillRef>
+          <a:effectRef idx="0">
+            <a:schemeClr val="accent1"/>
+          </a:effectRef>
+          <a:fontRef idx="minor">
+            <a:schemeClr val="lt1"/>
+          </a:fontRef>
+        </p:style>
+        <p:txBody>
+          <a:bodyPr rtlCol="0" anchor="ctr"/>
+          <a:lstStyle/>
+          <a:p>
+            <a:pPr algn="ctr"/>
+            <a:endParaRPr lang="en-US"/>
+          </a:p>
+        </p:txBody>
+      </p:sp>
+      <p:sp>
+        <p:nvSpPr>
+          <p:cNvPr id="22" name="Flowchart: Multidocument 21">
+            <a:extLst>
+              <a:ext uri="{FF2B5EF4-FFF2-40B4-BE49-F238E27FC236}">
+                <a16:creationId xmlns:a16="http://schemas.microsoft.com/office/drawing/2014/main" id="{E483BB8B-5D9E-DABD-CC4E-6E7C15E9DB2A}"/>
+              </a:ext>
+            </a:extLst>
+          </p:cNvPr>
+          <p:cNvSpPr/>
+          <p:nvPr/>
+        </p:nvSpPr>
+        <p:spPr>
+          <a:xfrm>
+            <a:off x="9170271" y="3052461"/>
+            <a:ext cx="434812" cy="533829"/>
+          </a:xfrm>
+          <a:prstGeom prst="flowChartMultidocument">
+            <a:avLst/>
+          </a:prstGeom>
+          <a:solidFill>
+            <a:srgbClr val="ED7D31"/>
+          </a:solidFill>
+        </p:spPr>
+        <p:style>
+          <a:lnRef idx="2">
+            <a:schemeClr val="accent1">
+              <a:shade val="15000"/>
+            </a:schemeClr>
+          </a:lnRef>
+          <a:fillRef idx="1">
+            <a:schemeClr val="accent1"/>
+          </a:fillRef>
+          <a:effectRef idx="0">
+            <a:schemeClr val="accent1"/>
+          </a:effectRef>
+          <a:fontRef idx="minor">
+            <a:schemeClr val="lt1"/>
+          </a:fontRef>
+        </p:style>
+        <p:txBody>
+          <a:bodyPr rtlCol="0" anchor="ctr"/>
+          <a:lstStyle/>
+          <a:p>
+            <a:pPr algn="ctr"/>
+            <a:r>
+              <a:rPr lang="en-US" sz="2400" dirty="0"/>
+              <a:t>S</a:t>
+            </a:r>
+          </a:p>
+        </p:txBody>
+      </p:sp>
+      <p:sp>
+        <p:nvSpPr>
+          <p:cNvPr id="23" name="Flowchart: Multidocument 22">
+            <a:extLst>
+              <a:ext uri="{FF2B5EF4-FFF2-40B4-BE49-F238E27FC236}">
+                <a16:creationId xmlns:a16="http://schemas.microsoft.com/office/drawing/2014/main" id="{F9AADE74-0D77-6A50-BD9F-9BF139205B09}"/>
+              </a:ext>
+            </a:extLst>
+          </p:cNvPr>
+          <p:cNvSpPr/>
+          <p:nvPr/>
+        </p:nvSpPr>
+        <p:spPr>
+          <a:xfrm>
+            <a:off x="9774431" y="3026063"/>
+            <a:ext cx="434812" cy="533829"/>
+          </a:xfrm>
+          <a:prstGeom prst="flowChartMultidocument">
+            <a:avLst/>
+          </a:prstGeom>
+          <a:solidFill>
+            <a:srgbClr val="ED7D31"/>
+          </a:solidFill>
+        </p:spPr>
+        <p:style>
+          <a:lnRef idx="2">
+            <a:schemeClr val="accent1">
+              <a:shade val="15000"/>
+            </a:schemeClr>
+          </a:lnRef>
+          <a:fillRef idx="1">
+            <a:schemeClr val="accent1"/>
+          </a:fillRef>
+          <a:effectRef idx="0">
+            <a:schemeClr val="accent1"/>
+          </a:effectRef>
+          <a:fontRef idx="minor">
+            <a:schemeClr val="lt1"/>
+          </a:fontRef>
+        </p:style>
+        <p:txBody>
+          <a:bodyPr rtlCol="0" anchor="ctr"/>
+          <a:lstStyle/>
+          <a:p>
+            <a:pPr algn="ctr"/>
+            <a:r>
+              <a:rPr lang="en-US" sz="2400" dirty="0"/>
+              <a:t>S</a:t>
+            </a:r>
+          </a:p>
+        </p:txBody>
+      </p:sp>
+    </p:spTree>
+    <p:extLst>
+      <p:ext uri="{BB962C8B-B14F-4D97-AF65-F5344CB8AC3E}">
+        <p14:creationId xmlns:p14="http://schemas.microsoft.com/office/powerpoint/2010/main" val="793626977"/>
+      </p:ext>
+    </p:extLst>
+  </p:cSld>
+  <p:clrMapOvr>
+    <a:masterClrMapping/>
+  </p:clrMapOvr>
+</p:sld>
+</file>
+
+<file path=ppt/slides/slide15.xml><?xml version="1.0" encoding="utf-8"?>
 <p:sld xmlns:a="http://schemas.openxmlformats.org/drawingml/2006/main" xmlns:r="http://schemas.openxmlformats.org/officeDocument/2006/relationships" xmlns:p="http://schemas.openxmlformats.org/presentationml/2006/main">
   <p:cSld>
     <p:spTree>
@@ -19266,7 +22210,7 @@
                 <a:tabLst/>
                 <a:defRPr/>
               </a:pPr>
-              <a:t>11</a:t>
+              <a:t>15</a:t>
             </a:fld>
             <a:endParaRPr kumimoji="0" lang="en-US" sz="1200" b="0" i="0" u="none" strike="noStrike" kern="1200" cap="none" spc="0" normalizeH="0" baseline="0" noProof="0" dirty="0">
               <a:ln>
@@ -19300,7 +22244,7 @@
 </p:sld>
 </file>
 
-<file path=ppt/slides/slide12.xml><?xml version="1.0" encoding="utf-8"?>
+<file path=ppt/slides/slide16.xml><?xml version="1.0" encoding="utf-8"?>
 <p:sld xmlns:a="http://schemas.openxmlformats.org/drawingml/2006/main" xmlns:r="http://schemas.openxmlformats.org/officeDocument/2006/relationships" xmlns:p="http://schemas.openxmlformats.org/presentationml/2006/main">
   <p:cSld>
     <p:spTree>
@@ -19468,7 +22412,7 @@
               <a:pPr>
                 <a:defRPr/>
               </a:pPr>
-              <a:t>12</a:t>
+              <a:t>16</a:t>
             </a:fld>
             <a:endParaRPr lang="en-US" dirty="0">
               <a:solidFill>
@@ -19583,7 +22527,7 @@
 </p:sld>
 </file>
 
-<file path=ppt/slides/slide13.xml><?xml version="1.0" encoding="utf-8"?>
+<file path=ppt/slides/slide17.xml><?xml version="1.0" encoding="utf-8"?>
 <p:sld xmlns:a="http://schemas.openxmlformats.org/drawingml/2006/main" xmlns:r="http://schemas.openxmlformats.org/officeDocument/2006/relationships" xmlns:p="http://schemas.openxmlformats.org/presentationml/2006/main">
   <p:cSld>
     <p:spTree>
@@ -19681,7 +22625,7 @@
 </p:sld>
 </file>
 
-<file path=ppt/slides/slide14.xml><?xml version="1.0" encoding="utf-8"?>
+<file path=ppt/slides/slide18.xml><?xml version="1.0" encoding="utf-8"?>
 <p:sld xmlns:a="http://schemas.openxmlformats.org/drawingml/2006/main" xmlns:r="http://schemas.openxmlformats.org/officeDocument/2006/relationships" xmlns:p="http://schemas.openxmlformats.org/presentationml/2006/main">
   <p:cSld>
     <p:spTree>
@@ -19956,7 +22900,7 @@
               <a:pPr>
                 <a:defRPr/>
               </a:pPr>
-              <a:t>14</a:t>
+              <a:t>18</a:t>
             </a:fld>
             <a:endParaRPr lang="en-US" dirty="0">
               <a:solidFill>
@@ -20016,7 +22960,7 @@
 </p:sld>
 </file>
 
-<file path=ppt/slides/slide15.xml><?xml version="1.0" encoding="utf-8"?>
+<file path=ppt/slides/slide19.xml><?xml version="1.0" encoding="utf-8"?>
 <p:sld xmlns:a="http://schemas.openxmlformats.org/drawingml/2006/main" xmlns:r="http://schemas.openxmlformats.org/officeDocument/2006/relationships" xmlns:p="http://schemas.openxmlformats.org/presentationml/2006/main">
   <p:cSld>
     <p:spTree>
@@ -20184,7 +23128,7 @@
               <a:pPr>
                 <a:defRPr/>
               </a:pPr>
-              <a:t>15</a:t>
+              <a:t>19</a:t>
             </a:fld>
             <a:endParaRPr lang="en-US" dirty="0">
               <a:solidFill>
@@ -20269,530 +23213,6 @@
     <p:extLst>
       <p:ext uri="{BB962C8B-B14F-4D97-AF65-F5344CB8AC3E}">
         <p14:creationId xmlns:p14="http://schemas.microsoft.com/office/powerpoint/2010/main" val="1566821685"/>
-      </p:ext>
-    </p:extLst>
-  </p:cSld>
-  <p:clrMapOvr>
-    <a:masterClrMapping/>
-  </p:clrMapOvr>
-</p:sld>
-</file>
-
-<file path=ppt/slides/slide16.xml><?xml version="1.0" encoding="utf-8"?>
-<p:sld xmlns:a="http://schemas.openxmlformats.org/drawingml/2006/main" xmlns:r="http://schemas.openxmlformats.org/officeDocument/2006/relationships" xmlns:p="http://schemas.openxmlformats.org/presentationml/2006/main">
-  <p:cSld>
-    <p:spTree>
-      <p:nvGrpSpPr>
-        <p:cNvPr id="1" name=""/>
-        <p:cNvGrpSpPr/>
-        <p:nvPr/>
-      </p:nvGrpSpPr>
-      <p:grpSpPr>
-        <a:xfrm>
-          <a:off x="0" y="0"/>
-          <a:ext cx="0" cy="0"/>
-          <a:chOff x="0" y="0"/>
-          <a:chExt cx="0" cy="0"/>
-        </a:xfrm>
-      </p:grpSpPr>
-      <p:sp>
-        <p:nvSpPr>
-          <p:cNvPr id="2" name="Title 1">
-            <a:extLst>
-              <a:ext uri="{FF2B5EF4-FFF2-40B4-BE49-F238E27FC236}">
-                <a16:creationId xmlns:a16="http://schemas.microsoft.com/office/drawing/2014/main" id="{30E83DAE-B0D4-4ED2-368A-63DE4D6374FD}"/>
-              </a:ext>
-            </a:extLst>
-          </p:cNvPr>
-          <p:cNvSpPr>
-            <a:spLocks noGrp="1"/>
-          </p:cNvSpPr>
-          <p:nvPr>
-            <p:ph type="title"/>
-          </p:nvPr>
-        </p:nvSpPr>
-        <p:spPr/>
-        <p:txBody>
-          <a:bodyPr/>
-          <a:lstStyle/>
-          <a:p>
-            <a:r>
-              <a:rPr lang="en-US" dirty="0"/>
-              <a:t>Solidity</a:t>
-            </a:r>
-          </a:p>
-        </p:txBody>
-      </p:sp>
-      <p:sp>
-        <p:nvSpPr>
-          <p:cNvPr id="3" name="Date Placeholder 2">
-            <a:extLst>
-              <a:ext uri="{FF2B5EF4-FFF2-40B4-BE49-F238E27FC236}">
-                <a16:creationId xmlns:a16="http://schemas.microsoft.com/office/drawing/2014/main" id="{08849423-DDF9-C571-098F-F176C122DBE1}"/>
-              </a:ext>
-            </a:extLst>
-          </p:cNvPr>
-          <p:cNvSpPr>
-            <a:spLocks noGrp="1"/>
-          </p:cNvSpPr>
-          <p:nvPr>
-            <p:ph type="dt" sz="half" idx="10"/>
-          </p:nvPr>
-        </p:nvSpPr>
-        <p:spPr/>
-        <p:txBody>
-          <a:bodyPr/>
-          <a:lstStyle/>
-          <a:p>
-            <a:pPr>
-              <a:defRPr/>
-            </a:pPr>
-            <a:r>
-              <a:rPr lang="en-US">
-                <a:solidFill>
-                  <a:prstClr val="black">
-                    <a:tint val="75000"/>
-                  </a:prstClr>
-                </a:solidFill>
-              </a:rPr>
-              <a:t>9/3/20XX</a:t>
-            </a:r>
-            <a:endParaRPr lang="en-US" dirty="0">
-              <a:solidFill>
-                <a:prstClr val="black">
-                  <a:tint val="75000"/>
-                </a:prstClr>
-              </a:solidFill>
-            </a:endParaRPr>
-          </a:p>
-        </p:txBody>
-      </p:sp>
-      <p:sp>
-        <p:nvSpPr>
-          <p:cNvPr id="4" name="Footer Placeholder 3">
-            <a:extLst>
-              <a:ext uri="{FF2B5EF4-FFF2-40B4-BE49-F238E27FC236}">
-                <a16:creationId xmlns:a16="http://schemas.microsoft.com/office/drawing/2014/main" id="{9CD1FB81-134D-05E5-03B4-A8B223DF2BA2}"/>
-              </a:ext>
-            </a:extLst>
-          </p:cNvPr>
-          <p:cNvSpPr>
-            <a:spLocks noGrp="1"/>
-          </p:cNvSpPr>
-          <p:nvPr>
-            <p:ph type="ftr" sz="quarter" idx="11"/>
-          </p:nvPr>
-        </p:nvSpPr>
-        <p:spPr/>
-        <p:txBody>
-          <a:bodyPr/>
-          <a:lstStyle/>
-          <a:p>
-            <a:pPr>
-              <a:defRPr/>
-            </a:pPr>
-            <a:r>
-              <a:rPr lang="en-US">
-                <a:solidFill>
-                  <a:prstClr val="black">
-                    <a:tint val="75000"/>
-                  </a:prstClr>
-                </a:solidFill>
-              </a:rPr>
-              <a:t>Presentation Title</a:t>
-            </a:r>
-            <a:endParaRPr lang="en-US" dirty="0">
-              <a:solidFill>
-                <a:prstClr val="black">
-                  <a:tint val="75000"/>
-                </a:prstClr>
-              </a:solidFill>
-            </a:endParaRPr>
-          </a:p>
-        </p:txBody>
-      </p:sp>
-      <p:sp>
-        <p:nvSpPr>
-          <p:cNvPr id="5" name="Slide Number Placeholder 4">
-            <a:extLst>
-              <a:ext uri="{FF2B5EF4-FFF2-40B4-BE49-F238E27FC236}">
-                <a16:creationId xmlns:a16="http://schemas.microsoft.com/office/drawing/2014/main" id="{428EDC13-0C2A-E7DA-2BD2-D0835FA2C0F5}"/>
-              </a:ext>
-            </a:extLst>
-          </p:cNvPr>
-          <p:cNvSpPr>
-            <a:spLocks noGrp="1"/>
-          </p:cNvSpPr>
-          <p:nvPr>
-            <p:ph type="sldNum" sz="quarter" idx="12"/>
-          </p:nvPr>
-        </p:nvSpPr>
-        <p:spPr/>
-        <p:txBody>
-          <a:bodyPr/>
-          <a:lstStyle/>
-          <a:p>
-            <a:pPr>
-              <a:defRPr/>
-            </a:pPr>
-            <a:fld id="{D76B855D-E9CC-4FF8-AD85-6CDC7B89A0DE}" type="slidenum">
-              <a:rPr lang="en-US" smtClean="0">
-                <a:solidFill>
-                  <a:prstClr val="black">
-                    <a:tint val="75000"/>
-                  </a:prstClr>
-                </a:solidFill>
-              </a:rPr>
-              <a:pPr>
-                <a:defRPr/>
-              </a:pPr>
-              <a:t>16</a:t>
-            </a:fld>
-            <a:endParaRPr lang="en-US" dirty="0">
-              <a:solidFill>
-                <a:prstClr val="black">
-                  <a:tint val="75000"/>
-                </a:prstClr>
-              </a:solidFill>
-            </a:endParaRPr>
-          </a:p>
-        </p:txBody>
-      </p:sp>
-      <p:sp>
-        <p:nvSpPr>
-          <p:cNvPr id="6" name="Content Placeholder 5">
-            <a:extLst>
-              <a:ext uri="{FF2B5EF4-FFF2-40B4-BE49-F238E27FC236}">
-                <a16:creationId xmlns:a16="http://schemas.microsoft.com/office/drawing/2014/main" id="{EE5A71A8-EEB4-1868-D997-ED22A21AAD57}"/>
-              </a:ext>
-            </a:extLst>
-          </p:cNvPr>
-          <p:cNvSpPr>
-            <a:spLocks noGrp="1"/>
-          </p:cNvSpPr>
-          <p:nvPr>
-            <p:ph idx="1"/>
-          </p:nvPr>
-        </p:nvSpPr>
-        <p:spPr/>
-        <p:txBody>
-          <a:bodyPr>
-            <a:normAutofit/>
-          </a:bodyPr>
-          <a:lstStyle/>
-          <a:p>
-            <a:pPr marL="0" indent="0">
-              <a:buNone/>
-            </a:pPr>
-            <a:r>
-              <a:rPr lang="en-US" dirty="0"/>
-              <a:t>     </a:t>
-            </a:r>
-          </a:p>
-          <a:p>
-            <a:pPr marL="0" indent="0">
-              <a:buNone/>
-            </a:pPr>
-            <a:endParaRPr lang="en-US" dirty="0"/>
-          </a:p>
-        </p:txBody>
-      </p:sp>
-      <p:pic>
-        <p:nvPicPr>
-          <p:cNvPr id="8" name="Picture 8" descr="Graphical user interface, text, application, email&#10;&#10;Description automatically generated">
-            <a:extLst>
-              <a:ext uri="{FF2B5EF4-FFF2-40B4-BE49-F238E27FC236}">
-                <a16:creationId xmlns:a16="http://schemas.microsoft.com/office/drawing/2014/main" id="{AC564B7C-7D05-4D1C-3EB1-4C321A2AAC5C}"/>
-              </a:ext>
-            </a:extLst>
-          </p:cNvPr>
-          <p:cNvPicPr>
-            <a:picLocks noChangeAspect="1"/>
-          </p:cNvPicPr>
-          <p:nvPr/>
-        </p:nvPicPr>
-        <p:blipFill>
-          <a:blip r:embed="rId2"/>
-          <a:stretch>
-            <a:fillRect/>
-          </a:stretch>
-        </p:blipFill>
-        <p:spPr>
-          <a:xfrm>
-            <a:off x="950119" y="1687946"/>
-            <a:ext cx="9327355" cy="4113135"/>
-          </a:xfrm>
-          <a:prstGeom prst="rect">
-            <a:avLst/>
-          </a:prstGeom>
-        </p:spPr>
-      </p:pic>
-    </p:spTree>
-    <p:extLst>
-      <p:ext uri="{BB962C8B-B14F-4D97-AF65-F5344CB8AC3E}">
-        <p14:creationId xmlns:p14="http://schemas.microsoft.com/office/powerpoint/2010/main" val="3379507217"/>
-      </p:ext>
-    </p:extLst>
-  </p:cSld>
-  <p:clrMapOvr>
-    <a:masterClrMapping/>
-  </p:clrMapOvr>
-</p:sld>
-</file>
-
-<file path=ppt/slides/slide17.xml><?xml version="1.0" encoding="utf-8"?>
-<p:sld xmlns:a="http://schemas.openxmlformats.org/drawingml/2006/main" xmlns:r="http://schemas.openxmlformats.org/officeDocument/2006/relationships" xmlns:p="http://schemas.openxmlformats.org/presentationml/2006/main">
-  <p:cSld>
-    <p:spTree>
-      <p:nvGrpSpPr>
-        <p:cNvPr id="1" name=""/>
-        <p:cNvGrpSpPr/>
-        <p:nvPr/>
-      </p:nvGrpSpPr>
-      <p:grpSpPr>
-        <a:xfrm>
-          <a:off x="0" y="0"/>
-          <a:ext cx="0" cy="0"/>
-          <a:chOff x="0" y="0"/>
-          <a:chExt cx="0" cy="0"/>
-        </a:xfrm>
-      </p:grpSpPr>
-      <p:sp>
-        <p:nvSpPr>
-          <p:cNvPr id="2" name="Title 1">
-            <a:extLst>
-              <a:ext uri="{FF2B5EF4-FFF2-40B4-BE49-F238E27FC236}">
-                <a16:creationId xmlns:a16="http://schemas.microsoft.com/office/drawing/2014/main" id="{30E83DAE-B0D4-4ED2-368A-63DE4D6374FD}"/>
-              </a:ext>
-            </a:extLst>
-          </p:cNvPr>
-          <p:cNvSpPr>
-            <a:spLocks noGrp="1"/>
-          </p:cNvSpPr>
-          <p:nvPr>
-            <p:ph type="title"/>
-          </p:nvPr>
-        </p:nvSpPr>
-        <p:spPr/>
-        <p:txBody>
-          <a:bodyPr/>
-          <a:lstStyle/>
-          <a:p>
-            <a:r>
-              <a:rPr lang="en-US" dirty="0"/>
-              <a:t>Solidity</a:t>
-            </a:r>
-          </a:p>
-        </p:txBody>
-      </p:sp>
-      <p:sp>
-        <p:nvSpPr>
-          <p:cNvPr id="3" name="Date Placeholder 2">
-            <a:extLst>
-              <a:ext uri="{FF2B5EF4-FFF2-40B4-BE49-F238E27FC236}">
-                <a16:creationId xmlns:a16="http://schemas.microsoft.com/office/drawing/2014/main" id="{08849423-DDF9-C571-098F-F176C122DBE1}"/>
-              </a:ext>
-            </a:extLst>
-          </p:cNvPr>
-          <p:cNvSpPr>
-            <a:spLocks noGrp="1"/>
-          </p:cNvSpPr>
-          <p:nvPr>
-            <p:ph type="dt" sz="half" idx="10"/>
-          </p:nvPr>
-        </p:nvSpPr>
-        <p:spPr/>
-        <p:txBody>
-          <a:bodyPr/>
-          <a:lstStyle/>
-          <a:p>
-            <a:pPr>
-              <a:defRPr/>
-            </a:pPr>
-            <a:r>
-              <a:rPr lang="en-US">
-                <a:solidFill>
-                  <a:prstClr val="black">
-                    <a:tint val="75000"/>
-                  </a:prstClr>
-                </a:solidFill>
-              </a:rPr>
-              <a:t>9/3/20XX</a:t>
-            </a:r>
-            <a:endParaRPr lang="en-US" dirty="0">
-              <a:solidFill>
-                <a:prstClr val="black">
-                  <a:tint val="75000"/>
-                </a:prstClr>
-              </a:solidFill>
-            </a:endParaRPr>
-          </a:p>
-        </p:txBody>
-      </p:sp>
-      <p:sp>
-        <p:nvSpPr>
-          <p:cNvPr id="4" name="Footer Placeholder 3">
-            <a:extLst>
-              <a:ext uri="{FF2B5EF4-FFF2-40B4-BE49-F238E27FC236}">
-                <a16:creationId xmlns:a16="http://schemas.microsoft.com/office/drawing/2014/main" id="{9CD1FB81-134D-05E5-03B4-A8B223DF2BA2}"/>
-              </a:ext>
-            </a:extLst>
-          </p:cNvPr>
-          <p:cNvSpPr>
-            <a:spLocks noGrp="1"/>
-          </p:cNvSpPr>
-          <p:nvPr>
-            <p:ph type="ftr" sz="quarter" idx="11"/>
-          </p:nvPr>
-        </p:nvSpPr>
-        <p:spPr/>
-        <p:txBody>
-          <a:bodyPr/>
-          <a:lstStyle/>
-          <a:p>
-            <a:pPr>
-              <a:defRPr/>
-            </a:pPr>
-            <a:r>
-              <a:rPr lang="en-US">
-                <a:solidFill>
-                  <a:prstClr val="black">
-                    <a:tint val="75000"/>
-                  </a:prstClr>
-                </a:solidFill>
-              </a:rPr>
-              <a:t>Presentation Title</a:t>
-            </a:r>
-            <a:endParaRPr lang="en-US" dirty="0">
-              <a:solidFill>
-                <a:prstClr val="black">
-                  <a:tint val="75000"/>
-                </a:prstClr>
-              </a:solidFill>
-            </a:endParaRPr>
-          </a:p>
-        </p:txBody>
-      </p:sp>
-      <p:sp>
-        <p:nvSpPr>
-          <p:cNvPr id="5" name="Slide Number Placeholder 4">
-            <a:extLst>
-              <a:ext uri="{FF2B5EF4-FFF2-40B4-BE49-F238E27FC236}">
-                <a16:creationId xmlns:a16="http://schemas.microsoft.com/office/drawing/2014/main" id="{428EDC13-0C2A-E7DA-2BD2-D0835FA2C0F5}"/>
-              </a:ext>
-            </a:extLst>
-          </p:cNvPr>
-          <p:cNvSpPr>
-            <a:spLocks noGrp="1"/>
-          </p:cNvSpPr>
-          <p:nvPr>
-            <p:ph type="sldNum" sz="quarter" idx="12"/>
-          </p:nvPr>
-        </p:nvSpPr>
-        <p:spPr/>
-        <p:txBody>
-          <a:bodyPr/>
-          <a:lstStyle/>
-          <a:p>
-            <a:pPr>
-              <a:defRPr/>
-            </a:pPr>
-            <a:fld id="{D76B855D-E9CC-4FF8-AD85-6CDC7B89A0DE}" type="slidenum">
-              <a:rPr lang="en-US" smtClean="0">
-                <a:solidFill>
-                  <a:prstClr val="black">
-                    <a:tint val="75000"/>
-                  </a:prstClr>
-                </a:solidFill>
-              </a:rPr>
-              <a:pPr>
-                <a:defRPr/>
-              </a:pPr>
-              <a:t>17</a:t>
-            </a:fld>
-            <a:endParaRPr lang="en-US" dirty="0">
-              <a:solidFill>
-                <a:prstClr val="black">
-                  <a:tint val="75000"/>
-                </a:prstClr>
-              </a:solidFill>
-            </a:endParaRPr>
-          </a:p>
-        </p:txBody>
-      </p:sp>
-      <p:sp>
-        <p:nvSpPr>
-          <p:cNvPr id="6" name="Content Placeholder 5">
-            <a:extLst>
-              <a:ext uri="{FF2B5EF4-FFF2-40B4-BE49-F238E27FC236}">
-                <a16:creationId xmlns:a16="http://schemas.microsoft.com/office/drawing/2014/main" id="{EE5A71A8-EEB4-1868-D997-ED22A21AAD57}"/>
-              </a:ext>
-            </a:extLst>
-          </p:cNvPr>
-          <p:cNvSpPr>
-            <a:spLocks noGrp="1"/>
-          </p:cNvSpPr>
-          <p:nvPr>
-            <p:ph idx="1"/>
-          </p:nvPr>
-        </p:nvSpPr>
-        <p:spPr/>
-        <p:txBody>
-          <a:bodyPr>
-            <a:normAutofit/>
-          </a:bodyPr>
-          <a:lstStyle/>
-          <a:p>
-            <a:pPr marL="0" indent="0">
-              <a:buNone/>
-            </a:pPr>
-            <a:r>
-              <a:rPr lang="en-US" dirty="0"/>
-              <a:t>     </a:t>
-            </a:r>
-          </a:p>
-          <a:p>
-            <a:pPr marL="0" indent="0">
-              <a:buNone/>
-            </a:pPr>
-            <a:endParaRPr lang="en-US" dirty="0"/>
-          </a:p>
-        </p:txBody>
-      </p:sp>
-      <p:pic>
-        <p:nvPicPr>
-          <p:cNvPr id="8" name="Picture 8" descr="Text&#10;&#10;Description automatically generated">
-            <a:extLst>
-              <a:ext uri="{FF2B5EF4-FFF2-40B4-BE49-F238E27FC236}">
-                <a16:creationId xmlns:a16="http://schemas.microsoft.com/office/drawing/2014/main" id="{2B8A6E12-0C26-5E4D-D091-9235CAE66370}"/>
-              </a:ext>
-            </a:extLst>
-          </p:cNvPr>
-          <p:cNvPicPr>
-            <a:picLocks noChangeAspect="1"/>
-          </p:cNvPicPr>
-          <p:nvPr/>
-        </p:nvPicPr>
-        <p:blipFill>
-          <a:blip r:embed="rId2"/>
-          <a:stretch>
-            <a:fillRect/>
-          </a:stretch>
-        </p:blipFill>
-        <p:spPr>
-          <a:xfrm>
-            <a:off x="1724027" y="1806266"/>
-            <a:ext cx="8827292" cy="3721719"/>
-          </a:xfrm>
-          <a:prstGeom prst="rect">
-            <a:avLst/>
-          </a:prstGeom>
-        </p:spPr>
-      </p:pic>
-    </p:spTree>
-    <p:extLst>
-      <p:ext uri="{BB962C8B-B14F-4D97-AF65-F5344CB8AC3E}">
-        <p14:creationId xmlns:p14="http://schemas.microsoft.com/office/powerpoint/2010/main" val="93786622"/>
       </p:ext>
     </p:extLst>
   </p:cSld>
@@ -21339,7 +23759,7 @@
           <p:cNvPr id="2" name="Title 1">
             <a:extLst>
               <a:ext uri="{FF2B5EF4-FFF2-40B4-BE49-F238E27FC236}">
-                <a16:creationId xmlns:a16="http://schemas.microsoft.com/office/drawing/2014/main" id="{B08D2229-D024-1C7B-65DF-3F502FDD1685}"/>
+                <a16:creationId xmlns:a16="http://schemas.microsoft.com/office/drawing/2014/main" id="{B4433D59-713D-583C-5CBF-F915AFA6BC56}"/>
               </a:ext>
             </a:extLst>
           </p:cNvPr>
@@ -21350,19 +23770,14 @@
             <p:ph type="title"/>
           </p:nvPr>
         </p:nvSpPr>
-        <p:spPr>
-          <a:xfrm>
-            <a:off x="874776" y="0"/>
-            <a:ext cx="10515600" cy="1325563"/>
-          </a:xfrm>
-        </p:spPr>
+        <p:spPr/>
         <p:txBody>
           <a:bodyPr/>
           <a:lstStyle/>
           <a:p>
             <a:r>
               <a:rPr lang="en-US" dirty="0"/>
-              <a:t>Proof-of-Transfer</a:t>
+              <a:t>Principles</a:t>
             </a:r>
           </a:p>
         </p:txBody>
@@ -21372,7 +23787,7 @@
           <p:cNvPr id="3" name="Date Placeholder 2">
             <a:extLst>
               <a:ext uri="{FF2B5EF4-FFF2-40B4-BE49-F238E27FC236}">
-                <a16:creationId xmlns:a16="http://schemas.microsoft.com/office/drawing/2014/main" id="{6B6CE4B3-9929-FD9A-A8F4-352784055A3B}"/>
+                <a16:creationId xmlns:a16="http://schemas.microsoft.com/office/drawing/2014/main" id="{244A33BC-909F-053E-C90F-CF86FD0D4E22}"/>
               </a:ext>
             </a:extLst>
           </p:cNvPr>
@@ -21416,7 +23831,7 @@
           <p:cNvPr id="4" name="Footer Placeholder 3">
             <a:extLst>
               <a:ext uri="{FF2B5EF4-FFF2-40B4-BE49-F238E27FC236}">
-                <a16:creationId xmlns:a16="http://schemas.microsoft.com/office/drawing/2014/main" id="{0DA790B6-374B-D506-321E-5D399D6B16EB}"/>
+                <a16:creationId xmlns:a16="http://schemas.microsoft.com/office/drawing/2014/main" id="{DA422CA8-1A42-19AF-A1BB-1806F38B3649}"/>
               </a:ext>
             </a:extLst>
           </p:cNvPr>
@@ -21460,7 +23875,7 @@
           <p:cNvPr id="5" name="Slide Number Placeholder 4">
             <a:extLst>
               <a:ext uri="{FF2B5EF4-FFF2-40B4-BE49-F238E27FC236}">
-                <a16:creationId xmlns:a16="http://schemas.microsoft.com/office/drawing/2014/main" id="{716633C6-E063-DE6B-958B-7079038ED87A}"/>
+                <a16:creationId xmlns:a16="http://schemas.microsoft.com/office/drawing/2014/main" id="{33E675A7-8E65-0FF2-143E-61CD98A5E4BA}"/>
               </a:ext>
             </a:extLst>
           </p:cNvPr>
@@ -21491,6 +23906,339 @@
                 <a:defRPr/>
               </a:pPr>
               <a:t>3</a:t>
+            </a:fld>
+            <a:endParaRPr lang="en-US" dirty="0">
+              <a:solidFill>
+                <a:prstClr val="black">
+                  <a:tint val="75000"/>
+                </a:prstClr>
+              </a:solidFill>
+            </a:endParaRPr>
+          </a:p>
+        </p:txBody>
+      </p:sp>
+      <p:sp>
+        <p:nvSpPr>
+          <p:cNvPr id="6" name="Content Placeholder 5">
+            <a:extLst>
+              <a:ext uri="{FF2B5EF4-FFF2-40B4-BE49-F238E27FC236}">
+                <a16:creationId xmlns:a16="http://schemas.microsoft.com/office/drawing/2014/main" id="{8BCB6D6D-2E01-0E9F-85CE-164033BF873D}"/>
+              </a:ext>
+            </a:extLst>
+          </p:cNvPr>
+          <p:cNvSpPr>
+            <a:spLocks noGrp="1"/>
+          </p:cNvSpPr>
+          <p:nvPr>
+            <p:ph idx="1"/>
+          </p:nvPr>
+        </p:nvSpPr>
+        <p:spPr/>
+        <p:txBody>
+          <a:bodyPr/>
+          <a:lstStyle/>
+          <a:p>
+            <a:pPr marL="0" indent="0" algn="l" rtl="0">
+              <a:buNone/>
+            </a:pPr>
+            <a:r>
+              <a:rPr lang="en-US" b="0" i="0" dirty="0">
+                <a:solidFill>
+                  <a:srgbClr val="0000FF"/>
+                </a:solidFill>
+                <a:effectLst/>
+                <a:latin typeface="Arial" panose="020B0604020202020204" pitchFamily="34" charset="0"/>
+              </a:rPr>
+              <a:t>Stacks block production satisfies these key properties</a:t>
+            </a:r>
+            <a:endParaRPr lang="en-US" sz="4000" b="0" i="0" dirty="0">
+              <a:solidFill>
+                <a:srgbClr val="0000FF"/>
+              </a:solidFill>
+              <a:effectLst/>
+              <a:latin typeface="Arial" panose="020B0604020202020204" pitchFamily="34" charset="0"/>
+            </a:endParaRPr>
+          </a:p>
+          <a:p>
+            <a:pPr marL="0" indent="0" algn="l" rtl="0">
+              <a:buNone/>
+            </a:pPr>
+            <a:br>
+              <a:rPr lang="en-US" b="0" i="0" dirty="0">
+                <a:solidFill>
+                  <a:srgbClr val="0000FF"/>
+                </a:solidFill>
+                <a:effectLst/>
+                <a:latin typeface="Arial" panose="020B0604020202020204" pitchFamily="34" charset="0"/>
+              </a:rPr>
+            </a:br>
+            <a:endParaRPr lang="en-US" sz="4000" b="0" i="0" dirty="0">
+              <a:solidFill>
+                <a:srgbClr val="0000FF"/>
+              </a:solidFill>
+              <a:effectLst/>
+              <a:latin typeface="Arial" panose="020B0604020202020204" pitchFamily="34" charset="0"/>
+            </a:endParaRPr>
+          </a:p>
+          <a:p>
+            <a:pPr algn="l" rtl="0" fontAlgn="base">
+              <a:buFont typeface="+mj-lt"/>
+              <a:buAutoNum type="arabicPeriod"/>
+            </a:pPr>
+            <a:r>
+              <a:rPr lang="en-US" b="0" i="0" dirty="0">
+                <a:solidFill>
+                  <a:srgbClr val="0000FF"/>
+                </a:solidFill>
+                <a:effectLst/>
+                <a:latin typeface="Arial" panose="020B0604020202020204" pitchFamily="34" charset="0"/>
+              </a:rPr>
+              <a:t> L2 (Stacks) must be as secure as the L1 (Bitcoin)</a:t>
+            </a:r>
+          </a:p>
+          <a:p>
+            <a:pPr algn="l" rtl="0" fontAlgn="base">
+              <a:buFont typeface="+mj-lt"/>
+              <a:buAutoNum type="arabicPeriod"/>
+            </a:pPr>
+            <a:r>
+              <a:rPr lang="en-US" b="0" i="0" dirty="0">
+                <a:solidFill>
+                  <a:srgbClr val="0000FF"/>
+                </a:solidFill>
+                <a:effectLst/>
+                <a:latin typeface="Arial" panose="020B0604020202020204" pitchFamily="34" charset="0"/>
+              </a:rPr>
+              <a:t> The L2 can use L1 asset is a medium of exchange </a:t>
+            </a:r>
+          </a:p>
+          <a:p>
+            <a:pPr algn="l" rtl="0" fontAlgn="base">
+              <a:buFont typeface="+mj-lt"/>
+              <a:buAutoNum type="arabicPeriod"/>
+            </a:pPr>
+            <a:r>
+              <a:rPr lang="en-US" b="0" i="0" dirty="0">
+                <a:solidFill>
+                  <a:srgbClr val="0000FF"/>
+                </a:solidFill>
+                <a:effectLst/>
+                <a:latin typeface="Arial" panose="020B0604020202020204" pitchFamily="34" charset="0"/>
+              </a:rPr>
+              <a:t> Enhance the scalability and the functionality </a:t>
+            </a:r>
+          </a:p>
+          <a:p>
+            <a:pPr algn="l" rtl="0" fontAlgn="base">
+              <a:buFont typeface="+mj-lt"/>
+              <a:buAutoNum type="arabicPeriod"/>
+            </a:pPr>
+            <a:r>
+              <a:rPr lang="en-US" b="0" i="0" dirty="0">
+                <a:solidFill>
+                  <a:srgbClr val="0000FF"/>
+                </a:solidFill>
+                <a:effectLst/>
+                <a:latin typeface="Arial" panose="020B0604020202020204" pitchFamily="34" charset="0"/>
+              </a:rPr>
+              <a:t> The L2 is a decentralized open network</a:t>
+            </a:r>
+          </a:p>
+          <a:p>
+            <a:pPr marL="0" indent="0">
+              <a:buNone/>
+            </a:pPr>
+            <a:endParaRPr lang="en-US" dirty="0"/>
+          </a:p>
+        </p:txBody>
+      </p:sp>
+    </p:spTree>
+    <p:extLst>
+      <p:ext uri="{BB962C8B-B14F-4D97-AF65-F5344CB8AC3E}">
+        <p14:creationId xmlns:p14="http://schemas.microsoft.com/office/powerpoint/2010/main" val="1985913725"/>
+      </p:ext>
+    </p:extLst>
+  </p:cSld>
+  <p:clrMapOvr>
+    <a:masterClrMapping/>
+  </p:clrMapOvr>
+</p:sld>
+</file>
+
+<file path=ppt/slides/slide4.xml><?xml version="1.0" encoding="utf-8"?>
+<p:sld xmlns:a="http://schemas.openxmlformats.org/drawingml/2006/main" xmlns:r="http://schemas.openxmlformats.org/officeDocument/2006/relationships" xmlns:p="http://schemas.openxmlformats.org/presentationml/2006/main">
+  <p:cSld>
+    <p:spTree>
+      <p:nvGrpSpPr>
+        <p:cNvPr id="1" name=""/>
+        <p:cNvGrpSpPr/>
+        <p:nvPr/>
+      </p:nvGrpSpPr>
+      <p:grpSpPr>
+        <a:xfrm>
+          <a:off x="0" y="0"/>
+          <a:ext cx="0" cy="0"/>
+          <a:chOff x="0" y="0"/>
+          <a:chExt cx="0" cy="0"/>
+        </a:xfrm>
+      </p:grpSpPr>
+      <p:sp>
+        <p:nvSpPr>
+          <p:cNvPr id="2" name="Title 1">
+            <a:extLst>
+              <a:ext uri="{FF2B5EF4-FFF2-40B4-BE49-F238E27FC236}">
+                <a16:creationId xmlns:a16="http://schemas.microsoft.com/office/drawing/2014/main" id="{B08D2229-D024-1C7B-65DF-3F502FDD1685}"/>
+              </a:ext>
+            </a:extLst>
+          </p:cNvPr>
+          <p:cNvSpPr>
+            <a:spLocks noGrp="1"/>
+          </p:cNvSpPr>
+          <p:nvPr>
+            <p:ph type="title"/>
+          </p:nvPr>
+        </p:nvSpPr>
+        <p:spPr>
+          <a:xfrm>
+            <a:off x="874776" y="0"/>
+            <a:ext cx="10515600" cy="1325563"/>
+          </a:xfrm>
+        </p:spPr>
+        <p:txBody>
+          <a:bodyPr/>
+          <a:lstStyle/>
+          <a:p>
+            <a:r>
+              <a:rPr lang="en-US" dirty="0"/>
+              <a:t>Proof-of-Transfer</a:t>
+            </a:r>
+          </a:p>
+        </p:txBody>
+      </p:sp>
+      <p:sp>
+        <p:nvSpPr>
+          <p:cNvPr id="3" name="Date Placeholder 2">
+            <a:extLst>
+              <a:ext uri="{FF2B5EF4-FFF2-40B4-BE49-F238E27FC236}">
+                <a16:creationId xmlns:a16="http://schemas.microsoft.com/office/drawing/2014/main" id="{6B6CE4B3-9929-FD9A-A8F4-352784055A3B}"/>
+              </a:ext>
+            </a:extLst>
+          </p:cNvPr>
+          <p:cNvSpPr>
+            <a:spLocks noGrp="1"/>
+          </p:cNvSpPr>
+          <p:nvPr>
+            <p:ph type="dt" sz="half" idx="10"/>
+          </p:nvPr>
+        </p:nvSpPr>
+        <p:spPr/>
+        <p:txBody>
+          <a:bodyPr/>
+          <a:lstStyle/>
+          <a:p>
+            <a:pPr>
+              <a:defRPr/>
+            </a:pPr>
+            <a:r>
+              <a:rPr lang="en-US">
+                <a:solidFill>
+                  <a:prstClr val="black">
+                    <a:tint val="75000"/>
+                  </a:prstClr>
+                </a:solidFill>
+              </a:rPr>
+              <a:t>9/3/20XX</a:t>
+            </a:r>
+            <a:endParaRPr lang="en-US" dirty="0">
+              <a:solidFill>
+                <a:prstClr val="black">
+                  <a:tint val="75000"/>
+                </a:prstClr>
+              </a:solidFill>
+            </a:endParaRPr>
+          </a:p>
+        </p:txBody>
+      </p:sp>
+      <p:sp>
+        <p:nvSpPr>
+          <p:cNvPr id="4" name="Footer Placeholder 3">
+            <a:extLst>
+              <a:ext uri="{FF2B5EF4-FFF2-40B4-BE49-F238E27FC236}">
+                <a16:creationId xmlns:a16="http://schemas.microsoft.com/office/drawing/2014/main" id="{0DA790B6-374B-D506-321E-5D399D6B16EB}"/>
+              </a:ext>
+            </a:extLst>
+          </p:cNvPr>
+          <p:cNvSpPr>
+            <a:spLocks noGrp="1"/>
+          </p:cNvSpPr>
+          <p:nvPr>
+            <p:ph type="ftr" sz="quarter" idx="11"/>
+          </p:nvPr>
+        </p:nvSpPr>
+        <p:spPr/>
+        <p:txBody>
+          <a:bodyPr/>
+          <a:lstStyle/>
+          <a:p>
+            <a:pPr>
+              <a:defRPr/>
+            </a:pPr>
+            <a:r>
+              <a:rPr lang="en-US">
+                <a:solidFill>
+                  <a:prstClr val="black">
+                    <a:tint val="75000"/>
+                  </a:prstClr>
+                </a:solidFill>
+              </a:rPr>
+              <a:t>Presentation Title</a:t>
+            </a:r>
+            <a:endParaRPr lang="en-US" dirty="0">
+              <a:solidFill>
+                <a:prstClr val="black">
+                  <a:tint val="75000"/>
+                </a:prstClr>
+              </a:solidFill>
+            </a:endParaRPr>
+          </a:p>
+        </p:txBody>
+      </p:sp>
+      <p:sp>
+        <p:nvSpPr>
+          <p:cNvPr id="5" name="Slide Number Placeholder 4">
+            <a:extLst>
+              <a:ext uri="{FF2B5EF4-FFF2-40B4-BE49-F238E27FC236}">
+                <a16:creationId xmlns:a16="http://schemas.microsoft.com/office/drawing/2014/main" id="{716633C6-E063-DE6B-958B-7079038ED87A}"/>
+              </a:ext>
+            </a:extLst>
+          </p:cNvPr>
+          <p:cNvSpPr>
+            <a:spLocks noGrp="1"/>
+          </p:cNvSpPr>
+          <p:nvPr>
+            <p:ph type="sldNum" sz="quarter" idx="12"/>
+          </p:nvPr>
+        </p:nvSpPr>
+        <p:spPr/>
+        <p:txBody>
+          <a:bodyPr/>
+          <a:lstStyle/>
+          <a:p>
+            <a:pPr>
+              <a:defRPr/>
+            </a:pPr>
+            <a:fld id="{D76B855D-E9CC-4FF8-AD85-6CDC7B89A0DE}" type="slidenum">
+              <a:rPr lang="en-US" smtClean="0">
+                <a:solidFill>
+                  <a:prstClr val="black">
+                    <a:tint val="75000"/>
+                  </a:prstClr>
+                </a:solidFill>
+              </a:rPr>
+              <a:pPr>
+                <a:defRPr/>
+              </a:pPr>
+              <a:t>4</a:t>
             </a:fld>
             <a:endParaRPr lang="en-US" dirty="0">
               <a:solidFill>
@@ -21545,7 +24293,7 @@
 </p:sld>
 </file>
 
-<file path=ppt/slides/slide4.xml><?xml version="1.0" encoding="utf-8"?>
+<file path=ppt/slides/slide5.xml><?xml version="1.0" encoding="utf-8"?>
 <p:sld xmlns:a="http://schemas.openxmlformats.org/drawingml/2006/main" xmlns:r="http://schemas.openxmlformats.org/officeDocument/2006/relationships" xmlns:p="http://schemas.openxmlformats.org/presentationml/2006/main">
   <p:cSld>
     <p:spTree>
@@ -21771,7 +24519,7 @@
               <a:pPr>
                 <a:defRPr/>
               </a:pPr>
-              <a:t>4</a:t>
+              <a:t>5</a:t>
             </a:fld>
             <a:endParaRPr lang="en-US" dirty="0">
               <a:solidFill>
@@ -21796,7 +24544,7 @@
 </p:sld>
 </file>
 
-<file path=ppt/slides/slide5.xml><?xml version="1.0" encoding="utf-8"?>
+<file path=ppt/slides/slide6.xml><?xml version="1.0" encoding="utf-8"?>
 <p:sld xmlns:a="http://schemas.openxmlformats.org/drawingml/2006/main" xmlns:r="http://schemas.openxmlformats.org/officeDocument/2006/relationships" xmlns:p="http://schemas.openxmlformats.org/presentationml/2006/main">
   <p:cSld>
     <p:spTree>
@@ -22026,7 +24774,7 @@
               <a:pPr>
                 <a:defRPr/>
               </a:pPr>
-              <a:t>5</a:t>
+              <a:t>6</a:t>
             </a:fld>
             <a:endParaRPr lang="en-US" dirty="0">
               <a:solidFill>
@@ -22051,7 +24799,7 @@
 </p:sld>
 </file>
 
-<file path=ppt/slides/slide6.xml><?xml version="1.0" encoding="utf-8"?>
+<file path=ppt/slides/slide7.xml><?xml version="1.0" encoding="utf-8"?>
 <p:sld xmlns:a="http://schemas.openxmlformats.org/drawingml/2006/main" xmlns:r="http://schemas.openxmlformats.org/officeDocument/2006/relationships" xmlns:p="http://schemas.openxmlformats.org/presentationml/2006/main">
   <p:cSld>
     <p:spTree>
@@ -22194,309 +24942,18 @@
             <a:schemeClr val="lt1"/>
           </a:fontRef>
         </p:style>
+        <p:txBody>
+          <a:bodyPr/>
+          <a:lstStyle/>
+          <a:p>
+            <a:endParaRPr lang="en-US"/>
+          </a:p>
+        </p:txBody>
       </p:sp>
     </p:spTree>
     <p:extLst>
       <p:ext uri="{BB962C8B-B14F-4D97-AF65-F5344CB8AC3E}">
         <p14:creationId xmlns:p14="http://schemas.microsoft.com/office/powerpoint/2010/main" val="197942312"/>
-      </p:ext>
-    </p:extLst>
-  </p:cSld>
-  <p:clrMapOvr>
-    <a:masterClrMapping/>
-  </p:clrMapOvr>
-</p:sld>
-</file>
-
-<file path=ppt/slides/slide7.xml><?xml version="1.0" encoding="utf-8"?>
-<p:sld xmlns:a="http://schemas.openxmlformats.org/drawingml/2006/main" xmlns:r="http://schemas.openxmlformats.org/officeDocument/2006/relationships" xmlns:p="http://schemas.openxmlformats.org/presentationml/2006/main">
-  <p:cSld>
-    <p:spTree>
-      <p:nvGrpSpPr>
-        <p:cNvPr id="1" name=""/>
-        <p:cNvGrpSpPr/>
-        <p:nvPr/>
-      </p:nvGrpSpPr>
-      <p:grpSpPr>
-        <a:xfrm>
-          <a:off x="0" y="0"/>
-          <a:ext cx="0" cy="0"/>
-          <a:chOff x="0" y="0"/>
-          <a:chExt cx="0" cy="0"/>
-        </a:xfrm>
-      </p:grpSpPr>
-      <p:sp>
-        <p:nvSpPr>
-          <p:cNvPr id="2" name="Title 1">
-            <a:extLst>
-              <a:ext uri="{FF2B5EF4-FFF2-40B4-BE49-F238E27FC236}">
-                <a16:creationId xmlns:a16="http://schemas.microsoft.com/office/drawing/2014/main" id="{711E7669-618C-BBAA-01C4-8BD22DFF620E}"/>
-              </a:ext>
-            </a:extLst>
-          </p:cNvPr>
-          <p:cNvSpPr>
-            <a:spLocks noGrp="1"/>
-          </p:cNvSpPr>
-          <p:nvPr>
-            <p:ph type="title"/>
-          </p:nvPr>
-        </p:nvSpPr>
-        <p:spPr/>
-        <p:txBody>
-          <a:bodyPr/>
-          <a:lstStyle/>
-          <a:p>
-            <a:r>
-              <a:rPr lang="en-US" dirty="0"/>
-              <a:t>Traditional contract properties</a:t>
-            </a:r>
-          </a:p>
-        </p:txBody>
-      </p:sp>
-      <p:sp>
-        <p:nvSpPr>
-          <p:cNvPr id="3" name="Date Placeholder 2">
-            <a:extLst>
-              <a:ext uri="{FF2B5EF4-FFF2-40B4-BE49-F238E27FC236}">
-                <a16:creationId xmlns:a16="http://schemas.microsoft.com/office/drawing/2014/main" id="{6AF6346F-6D5D-2543-C2C7-E6F3ECF9223D}"/>
-              </a:ext>
-            </a:extLst>
-          </p:cNvPr>
-          <p:cNvSpPr>
-            <a:spLocks noGrp="1"/>
-          </p:cNvSpPr>
-          <p:nvPr>
-            <p:ph type="dt" sz="half" idx="10"/>
-          </p:nvPr>
-        </p:nvSpPr>
-        <p:spPr/>
-        <p:txBody>
-          <a:bodyPr/>
-          <a:lstStyle/>
-          <a:p>
-            <a:pPr>
-              <a:defRPr/>
-            </a:pPr>
-            <a:r>
-              <a:rPr lang="en-US">
-                <a:solidFill>
-                  <a:prstClr val="black">
-                    <a:tint val="75000"/>
-                  </a:prstClr>
-                </a:solidFill>
-              </a:rPr>
-              <a:t>9/3/20XX</a:t>
-            </a:r>
-            <a:endParaRPr lang="en-US" dirty="0">
-              <a:solidFill>
-                <a:prstClr val="black">
-                  <a:tint val="75000"/>
-                </a:prstClr>
-              </a:solidFill>
-            </a:endParaRPr>
-          </a:p>
-        </p:txBody>
-      </p:sp>
-      <p:sp>
-        <p:nvSpPr>
-          <p:cNvPr id="4" name="Footer Placeholder 3">
-            <a:extLst>
-              <a:ext uri="{FF2B5EF4-FFF2-40B4-BE49-F238E27FC236}">
-                <a16:creationId xmlns:a16="http://schemas.microsoft.com/office/drawing/2014/main" id="{CB6116AD-0A41-F4A5-9F53-4283A1FF31C0}"/>
-              </a:ext>
-            </a:extLst>
-          </p:cNvPr>
-          <p:cNvSpPr>
-            <a:spLocks noGrp="1"/>
-          </p:cNvSpPr>
-          <p:nvPr>
-            <p:ph type="ftr" sz="quarter" idx="11"/>
-          </p:nvPr>
-        </p:nvSpPr>
-        <p:spPr/>
-        <p:txBody>
-          <a:bodyPr/>
-          <a:lstStyle/>
-          <a:p>
-            <a:pPr>
-              <a:defRPr/>
-            </a:pPr>
-            <a:r>
-              <a:rPr lang="en-US">
-                <a:solidFill>
-                  <a:prstClr val="black">
-                    <a:tint val="75000"/>
-                  </a:prstClr>
-                </a:solidFill>
-              </a:rPr>
-              <a:t>Presentation Title</a:t>
-            </a:r>
-            <a:endParaRPr lang="en-US" dirty="0">
-              <a:solidFill>
-                <a:prstClr val="black">
-                  <a:tint val="75000"/>
-                </a:prstClr>
-              </a:solidFill>
-            </a:endParaRPr>
-          </a:p>
-        </p:txBody>
-      </p:sp>
-      <p:sp>
-        <p:nvSpPr>
-          <p:cNvPr id="5" name="Slide Number Placeholder 4">
-            <a:extLst>
-              <a:ext uri="{FF2B5EF4-FFF2-40B4-BE49-F238E27FC236}">
-                <a16:creationId xmlns:a16="http://schemas.microsoft.com/office/drawing/2014/main" id="{AFBFDA12-7577-C60B-3462-3A6502C5F3DA}"/>
-              </a:ext>
-            </a:extLst>
-          </p:cNvPr>
-          <p:cNvSpPr>
-            <a:spLocks noGrp="1"/>
-          </p:cNvSpPr>
-          <p:nvPr>
-            <p:ph type="sldNum" sz="quarter" idx="12"/>
-          </p:nvPr>
-        </p:nvSpPr>
-        <p:spPr/>
-        <p:txBody>
-          <a:bodyPr/>
-          <a:lstStyle/>
-          <a:p>
-            <a:pPr>
-              <a:defRPr/>
-            </a:pPr>
-            <a:fld id="{D76B855D-E9CC-4FF8-AD85-6CDC7B89A0DE}" type="slidenum">
-              <a:rPr lang="en-US" smtClean="0">
-                <a:solidFill>
-                  <a:prstClr val="black">
-                    <a:tint val="75000"/>
-                  </a:prstClr>
-                </a:solidFill>
-              </a:rPr>
-              <a:pPr>
-                <a:defRPr/>
-              </a:pPr>
-              <a:t>7</a:t>
-            </a:fld>
-            <a:endParaRPr lang="en-US" dirty="0">
-              <a:solidFill>
-                <a:prstClr val="black">
-                  <a:tint val="75000"/>
-                </a:prstClr>
-              </a:solidFill>
-            </a:endParaRPr>
-          </a:p>
-        </p:txBody>
-      </p:sp>
-      <p:sp>
-        <p:nvSpPr>
-          <p:cNvPr id="6" name="Content Placeholder 5">
-            <a:extLst>
-              <a:ext uri="{FF2B5EF4-FFF2-40B4-BE49-F238E27FC236}">
-                <a16:creationId xmlns:a16="http://schemas.microsoft.com/office/drawing/2014/main" id="{F055F012-AD0B-E2BD-5149-1165C18BA823}"/>
-              </a:ext>
-            </a:extLst>
-          </p:cNvPr>
-          <p:cNvSpPr>
-            <a:spLocks noGrp="1"/>
-          </p:cNvSpPr>
-          <p:nvPr>
-            <p:ph idx="1"/>
-          </p:nvPr>
-        </p:nvSpPr>
-        <p:spPr/>
-        <p:txBody>
-          <a:bodyPr>
-            <a:normAutofit fontScale="92500" lnSpcReduction="20000"/>
-          </a:bodyPr>
-          <a:lstStyle/>
-          <a:p>
-            <a:pPr marL="0" indent="0">
-              <a:buNone/>
-            </a:pPr>
-            <a:r>
-              <a:rPr lang="en-US" dirty="0"/>
-              <a:t>Fair and transparent </a:t>
-            </a:r>
-          </a:p>
-          <a:p>
-            <a:pPr marL="0" indent="0">
-              <a:buNone/>
-            </a:pPr>
-            <a:endParaRPr lang="en-US" dirty="0"/>
-          </a:p>
-          <a:p>
-            <a:pPr marL="0" indent="0">
-              <a:buNone/>
-            </a:pPr>
-            <a:r>
-              <a:rPr lang="en-US" dirty="0"/>
-              <a:t>Terms/conditions: measurable inputs and outputs, schedules</a:t>
-            </a:r>
-          </a:p>
-          <a:p>
-            <a:pPr marL="0" indent="0">
-              <a:buNone/>
-            </a:pPr>
-            <a:endParaRPr lang="en-US" dirty="0"/>
-          </a:p>
-          <a:p>
-            <a:pPr marL="0" indent="0">
-              <a:buNone/>
-            </a:pPr>
-            <a:r>
-              <a:rPr lang="en-US" dirty="0"/>
-              <a:t>Legally enforceable </a:t>
-            </a:r>
-          </a:p>
-          <a:p>
-            <a:pPr marL="0" indent="0">
-              <a:buNone/>
-            </a:pPr>
-            <a:endParaRPr lang="en-US" dirty="0"/>
-          </a:p>
-          <a:p>
-            <a:pPr marL="0" indent="0">
-              <a:buNone/>
-            </a:pPr>
-            <a:r>
-              <a:rPr lang="en-US" dirty="0"/>
-              <a:t>Immutable	- settles once contract is executed</a:t>
-            </a:r>
-          </a:p>
-          <a:p>
-            <a:pPr marL="0" indent="0">
-              <a:buNone/>
-            </a:pPr>
-            <a:endParaRPr lang="en-US" dirty="0"/>
-          </a:p>
-          <a:p>
-            <a:pPr marL="0" indent="0">
-              <a:buNone/>
-            </a:pPr>
-            <a:r>
-              <a:rPr lang="en-US" dirty="0"/>
-              <a:t>Accomplish a goal</a:t>
-            </a:r>
-          </a:p>
-          <a:p>
-            <a:pPr marL="0" indent="0">
-              <a:buNone/>
-            </a:pPr>
-            <a:endParaRPr lang="en-US" dirty="0"/>
-          </a:p>
-          <a:p>
-            <a:pPr marL="0" indent="0">
-              <a:buNone/>
-            </a:pPr>
-            <a:endParaRPr lang="en-US" dirty="0"/>
-          </a:p>
-        </p:txBody>
-      </p:sp>
-    </p:spTree>
-    <p:extLst>
-      <p:ext uri="{BB962C8B-B14F-4D97-AF65-F5344CB8AC3E}">
-        <p14:creationId xmlns:p14="http://schemas.microsoft.com/office/powerpoint/2010/main" val="1355068606"/>
       </p:ext>
     </p:extLst>
   </p:cSld>
@@ -22528,7 +24985,7 @@
           <p:cNvPr id="2" name="Title 1">
             <a:extLst>
               <a:ext uri="{FF2B5EF4-FFF2-40B4-BE49-F238E27FC236}">
-                <a16:creationId xmlns:a16="http://schemas.microsoft.com/office/drawing/2014/main" id="{37D5E1D1-E5BF-3728-5B56-CD32BDB6D6F6}"/>
+                <a16:creationId xmlns:a16="http://schemas.microsoft.com/office/drawing/2014/main" id="{CF50A0F7-921E-1907-CA2E-F446A14DAADB}"/>
               </a:ext>
             </a:extLst>
           </p:cNvPr>
@@ -22546,138 +25003,17 @@
           <a:p>
             <a:r>
               <a:rPr lang="en-US" dirty="0"/>
-              <a:t>Smart contracts on proof of work Blockchains</a:t>
+              <a:t>Clarity </a:t>
             </a:r>
           </a:p>
         </p:txBody>
       </p:sp>
       <p:sp>
         <p:nvSpPr>
-          <p:cNvPr id="3" name="Content Placeholder 2">
+          <p:cNvPr id="3" name="Date Placeholder 2">
             <a:extLst>
               <a:ext uri="{FF2B5EF4-FFF2-40B4-BE49-F238E27FC236}">
-                <a16:creationId xmlns:a16="http://schemas.microsoft.com/office/drawing/2014/main" id="{94F5F691-08D7-3716-A257-B471ED72BABC}"/>
-              </a:ext>
-            </a:extLst>
-          </p:cNvPr>
-          <p:cNvSpPr>
-            <a:spLocks noGrp="1"/>
-          </p:cNvSpPr>
-          <p:nvPr>
-            <p:ph idx="1"/>
-          </p:nvPr>
-        </p:nvSpPr>
-        <p:spPr/>
-        <p:txBody>
-          <a:bodyPr>
-            <a:normAutofit fontScale="85000" lnSpcReduction="20000"/>
-          </a:bodyPr>
-          <a:lstStyle/>
-          <a:p>
-            <a:pPr marL="0" indent="0">
-              <a:buNone/>
-            </a:pPr>
-            <a:r>
-              <a:rPr lang="en-US" dirty="0"/>
-              <a:t>Fair and transparent – </a:t>
-            </a:r>
-            <a:r>
-              <a:rPr lang="en-US" i="1" dirty="0"/>
-              <a:t>no trusted third party</a:t>
-            </a:r>
-          </a:p>
-          <a:p>
-            <a:pPr marL="0" indent="0">
-              <a:buNone/>
-            </a:pPr>
-            <a:r>
-              <a:rPr lang="en-US" dirty="0"/>
-              <a:t> </a:t>
-            </a:r>
-          </a:p>
-          <a:p>
-            <a:pPr marL="0" indent="0">
-              <a:buNone/>
-            </a:pPr>
-            <a:r>
-              <a:rPr lang="en-US" dirty="0"/>
-              <a:t>Terms/conditions: measurable inputs and outputs, schedules</a:t>
-            </a:r>
-          </a:p>
-          <a:p>
-            <a:pPr marL="0" indent="0">
-              <a:buNone/>
-            </a:pPr>
-            <a:r>
-              <a:rPr lang="en-US" dirty="0"/>
-              <a:t>Distributed consensus - agree a contract’s terms/conditions are met</a:t>
-            </a:r>
-          </a:p>
-          <a:p>
-            <a:pPr marL="0" indent="0">
-              <a:buNone/>
-            </a:pPr>
-            <a:endParaRPr lang="en-US" dirty="0"/>
-          </a:p>
-          <a:p>
-            <a:pPr marL="0" indent="0">
-              <a:buNone/>
-            </a:pPr>
-            <a:r>
-              <a:rPr lang="en-US" dirty="0"/>
-              <a:t>Immutability </a:t>
-            </a:r>
-          </a:p>
-          <a:p>
-            <a:pPr marL="0" indent="0">
-              <a:buNone/>
-            </a:pPr>
-            <a:endParaRPr lang="en-US" dirty="0"/>
-          </a:p>
-          <a:p>
-            <a:pPr marL="0" indent="0">
-              <a:buNone/>
-            </a:pPr>
-            <a:r>
-              <a:rPr lang="en-US" dirty="0"/>
-              <a:t>Programmatically (legally) enforceable</a:t>
-            </a:r>
-          </a:p>
-          <a:p>
-            <a:pPr marL="0" indent="0">
-              <a:buNone/>
-            </a:pPr>
-            <a:endParaRPr lang="en-US" dirty="0"/>
-          </a:p>
-          <a:p>
-            <a:pPr marL="0" indent="0">
-              <a:buNone/>
-            </a:pPr>
-            <a:r>
-              <a:rPr lang="en-US" dirty="0"/>
-              <a:t>Accomplishes goals with crypto currency or tokens</a:t>
-            </a:r>
-          </a:p>
-          <a:p>
-            <a:pPr marL="0" indent="0">
-              <a:buNone/>
-            </a:pPr>
-            <a:endParaRPr lang="en-US" dirty="0"/>
-          </a:p>
-          <a:p>
-            <a:pPr marL="0" indent="0">
-              <a:buNone/>
-            </a:pPr>
-            <a:endParaRPr lang="en-US" dirty="0"/>
-          </a:p>
-        </p:txBody>
-      </p:sp>
-      <p:sp>
-        <p:nvSpPr>
-          <p:cNvPr id="4" name="Date Placeholder 3">
-            <a:extLst>
-              <a:ext uri="{FF2B5EF4-FFF2-40B4-BE49-F238E27FC236}">
-                <a16:creationId xmlns:a16="http://schemas.microsoft.com/office/drawing/2014/main" id="{319EA321-F75B-04C6-8F23-BB3323ACB241}"/>
+                <a16:creationId xmlns:a16="http://schemas.microsoft.com/office/drawing/2014/main" id="{D18B534F-FEF4-905F-2206-CC1D08257ADC}"/>
               </a:ext>
             </a:extLst>
           </p:cNvPr>
@@ -22718,10 +25054,10 @@
       </p:sp>
       <p:sp>
         <p:nvSpPr>
-          <p:cNvPr id="5" name="Footer Placeholder 4">
+          <p:cNvPr id="4" name="Footer Placeholder 3">
             <a:extLst>
               <a:ext uri="{FF2B5EF4-FFF2-40B4-BE49-F238E27FC236}">
-                <a16:creationId xmlns:a16="http://schemas.microsoft.com/office/drawing/2014/main" id="{E0A6DB2F-D5DD-0FE3-F93C-685422D1276D}"/>
+                <a16:creationId xmlns:a16="http://schemas.microsoft.com/office/drawing/2014/main" id="{8BD60D68-C02C-956C-CFCB-E1F87A479773}"/>
               </a:ext>
             </a:extLst>
           </p:cNvPr>
@@ -22762,10 +25098,10 @@
       </p:sp>
       <p:sp>
         <p:nvSpPr>
-          <p:cNvPr id="6" name="Slide Number Placeholder 5">
+          <p:cNvPr id="5" name="Slide Number Placeholder 4">
             <a:extLst>
               <a:ext uri="{FF2B5EF4-FFF2-40B4-BE49-F238E27FC236}">
-                <a16:creationId xmlns:a16="http://schemas.microsoft.com/office/drawing/2014/main" id="{3A37EE47-48AE-4B59-7204-AE9D9248054C}"/>
+                <a16:creationId xmlns:a16="http://schemas.microsoft.com/office/drawing/2014/main" id="{7FC6BBCF-0559-6EDB-FAC7-A482C533BC4F}"/>
               </a:ext>
             </a:extLst>
           </p:cNvPr>
@@ -22807,10 +25143,83 @@
           </a:p>
         </p:txBody>
       </p:sp>
+      <p:sp>
+        <p:nvSpPr>
+          <p:cNvPr id="6" name="Content Placeholder 5">
+            <a:extLst>
+              <a:ext uri="{FF2B5EF4-FFF2-40B4-BE49-F238E27FC236}">
+                <a16:creationId xmlns:a16="http://schemas.microsoft.com/office/drawing/2014/main" id="{A7B351B2-0D6B-B263-E909-4292574D6F59}"/>
+              </a:ext>
+            </a:extLst>
+          </p:cNvPr>
+          <p:cNvSpPr>
+            <a:spLocks noGrp="1"/>
+          </p:cNvSpPr>
+          <p:nvPr>
+            <p:ph idx="1"/>
+          </p:nvPr>
+        </p:nvSpPr>
+        <p:spPr/>
+        <p:txBody>
+          <a:bodyPr/>
+          <a:lstStyle/>
+          <a:p>
+            <a:pPr marL="0" indent="0">
+              <a:buNone/>
+            </a:pPr>
+            <a:r>
+              <a:rPr lang="en-US" dirty="0"/>
+              <a:t>Not recursive</a:t>
+            </a:r>
+          </a:p>
+          <a:p>
+            <a:pPr marL="0" indent="0">
+              <a:buNone/>
+            </a:pPr>
+            <a:endParaRPr lang="en-US" dirty="0"/>
+          </a:p>
+          <a:p>
+            <a:pPr marL="0" indent="0">
+              <a:buNone/>
+            </a:pPr>
+            <a:r>
+              <a:rPr lang="en-US" dirty="0"/>
+              <a:t>No unbounded loops</a:t>
+            </a:r>
+          </a:p>
+          <a:p>
+            <a:pPr marL="0" indent="0">
+              <a:buNone/>
+            </a:pPr>
+            <a:endParaRPr lang="en-US" dirty="0"/>
+          </a:p>
+          <a:p>
+            <a:pPr marL="0" indent="0">
+              <a:buNone/>
+            </a:pPr>
+            <a:r>
+              <a:rPr lang="en-US" dirty="0"/>
+              <a:t>No polymorphism</a:t>
+            </a:r>
+          </a:p>
+          <a:p>
+            <a:pPr marL="0" indent="0">
+              <a:buNone/>
+            </a:pPr>
+            <a:endParaRPr lang="en-US" dirty="0"/>
+          </a:p>
+          <a:p>
+            <a:pPr marL="0" indent="0">
+              <a:buNone/>
+            </a:pPr>
+            <a:endParaRPr lang="en-US" dirty="0"/>
+          </a:p>
+        </p:txBody>
+      </p:sp>
     </p:spTree>
     <p:extLst>
       <p:ext uri="{BB962C8B-B14F-4D97-AF65-F5344CB8AC3E}">
-        <p14:creationId xmlns:p14="http://schemas.microsoft.com/office/powerpoint/2010/main" val="3339657649"/>
+        <p14:creationId xmlns:p14="http://schemas.microsoft.com/office/powerpoint/2010/main" val="1330570421"/>
       </p:ext>
     </p:extLst>
   </p:cSld>
@@ -22825,7 +25234,13 @@
   <p:cSld>
     <p:spTree>
       <p:nvGrpSpPr>
-        <p:cNvPr id="1" name=""/>
+        <p:cNvPr id="1" name="">
+          <a:extLst>
+            <a:ext uri="{FF2B5EF4-FFF2-40B4-BE49-F238E27FC236}">
+              <a16:creationId xmlns:a16="http://schemas.microsoft.com/office/drawing/2014/main" id="{9C9BDCCD-6664-4FD0-9E06-BB2AE2FBC440}"/>
+            </a:ext>
+          </a:extLst>
+        </p:cNvPr>
         <p:cNvGrpSpPr/>
         <p:nvPr/>
       </p:nvGrpSpPr>
@@ -22842,7 +25257,7 @@
           <p:cNvPr id="2" name="Title 1">
             <a:extLst>
               <a:ext uri="{FF2B5EF4-FFF2-40B4-BE49-F238E27FC236}">
-                <a16:creationId xmlns:a16="http://schemas.microsoft.com/office/drawing/2014/main" id="{30E83DAE-B0D4-4ED2-368A-63DE4D6374FD}"/>
+                <a16:creationId xmlns:a16="http://schemas.microsoft.com/office/drawing/2014/main" id="{5FA7DB24-7CC6-AF42-A1C6-3B0904D15A3E}"/>
               </a:ext>
             </a:extLst>
           </p:cNvPr>
@@ -22860,7 +25275,7 @@
           <a:p>
             <a:r>
               <a:rPr lang="en-US" dirty="0"/>
-              <a:t>Foundations – from blockchains</a:t>
+              <a:t>Clarity </a:t>
             </a:r>
           </a:p>
         </p:txBody>
@@ -22870,7 +25285,7 @@
           <p:cNvPr id="3" name="Date Placeholder 2">
             <a:extLst>
               <a:ext uri="{FF2B5EF4-FFF2-40B4-BE49-F238E27FC236}">
-                <a16:creationId xmlns:a16="http://schemas.microsoft.com/office/drawing/2014/main" id="{08849423-DDF9-C571-098F-F176C122DBE1}"/>
+                <a16:creationId xmlns:a16="http://schemas.microsoft.com/office/drawing/2014/main" id="{D7226EF5-5C93-012F-F52C-DA3E81065653}"/>
               </a:ext>
             </a:extLst>
           </p:cNvPr>
@@ -22914,7 +25329,7 @@
           <p:cNvPr id="4" name="Footer Placeholder 3">
             <a:extLst>
               <a:ext uri="{FF2B5EF4-FFF2-40B4-BE49-F238E27FC236}">
-                <a16:creationId xmlns:a16="http://schemas.microsoft.com/office/drawing/2014/main" id="{9CD1FB81-134D-05E5-03B4-A8B223DF2BA2}"/>
+                <a16:creationId xmlns:a16="http://schemas.microsoft.com/office/drawing/2014/main" id="{3015DFFD-EE54-3196-767D-FD9F4C14C0C7}"/>
               </a:ext>
             </a:extLst>
           </p:cNvPr>
@@ -22958,7 +25373,7 @@
           <p:cNvPr id="5" name="Slide Number Placeholder 4">
             <a:extLst>
               <a:ext uri="{FF2B5EF4-FFF2-40B4-BE49-F238E27FC236}">
-                <a16:creationId xmlns:a16="http://schemas.microsoft.com/office/drawing/2014/main" id="{428EDC13-0C2A-E7DA-2BD2-D0835FA2C0F5}"/>
+                <a16:creationId xmlns:a16="http://schemas.microsoft.com/office/drawing/2014/main" id="{1716ACB0-5AA6-F629-2A8E-ABEB0E38CCD2}"/>
               </a:ext>
             </a:extLst>
           </p:cNvPr>
@@ -23005,7 +25420,7 @@
           <p:cNvPr id="6" name="Content Placeholder 5">
             <a:extLst>
               <a:ext uri="{FF2B5EF4-FFF2-40B4-BE49-F238E27FC236}">
-                <a16:creationId xmlns:a16="http://schemas.microsoft.com/office/drawing/2014/main" id="{EE5A71A8-EEB4-1868-D997-ED22A21AAD57}"/>
+                <a16:creationId xmlns:a16="http://schemas.microsoft.com/office/drawing/2014/main" id="{C5664E04-BFD2-275D-D473-1101C1809B26}"/>
               </a:ext>
             </a:extLst>
           </p:cNvPr>
@@ -23018,9 +25433,7 @@
         </p:nvSpPr>
         <p:spPr/>
         <p:txBody>
-          <a:bodyPr vert="horz" lIns="91440" tIns="45720" rIns="91440" bIns="45720" rtlCol="0" anchor="t">
-            <a:normAutofit fontScale="92500" lnSpcReduction="20000"/>
-          </a:bodyPr>
+          <a:bodyPr/>
           <a:lstStyle/>
           <a:p>
             <a:pPr marL="0" indent="0">
@@ -23028,8 +25441,14 @@
             </a:pPr>
             <a:r>
               <a:rPr lang="en-US" dirty="0"/>
-              <a:t>Immutability – necessary for contracts</a:t>
+              <a:t>Loops using map, fold and filter</a:t>
             </a:r>
+          </a:p>
+          <a:p>
+            <a:pPr marL="0" indent="0">
+              <a:buNone/>
+            </a:pPr>
+            <a:endParaRPr lang="en-US" dirty="0"/>
           </a:p>
           <a:p>
             <a:pPr marL="0" indent="0">
@@ -23037,7 +25456,7 @@
             </a:pPr>
             <a:r>
               <a:rPr lang="en-US" dirty="0"/>
-              <a:t>    Programs as smart contracts must be careful </a:t>
+              <a:t>Traits for keeping APIs focused</a:t>
             </a:r>
           </a:p>
           <a:p>
@@ -23050,52 +25469,13 @@
             <a:pPr marL="0" indent="0">
               <a:buNone/>
             </a:pPr>
-            <a:r>
-              <a:rPr lang="en-US" dirty="0"/>
-              <a:t>Distributed consensus - agree a contract’s terms/conditions are met</a:t>
-            </a:r>
+            <a:endParaRPr lang="en-US" dirty="0"/>
           </a:p>
           <a:p>
             <a:pPr marL="0" indent="0">
               <a:buNone/>
             </a:pPr>
             <a:endParaRPr lang="en-US" dirty="0"/>
-          </a:p>
-          <a:p>
-            <a:pPr marL="0" indent="0">
-              <a:buNone/>
-            </a:pPr>
-            <a:r>
-              <a:rPr lang="en-US" dirty="0"/>
-              <a:t>Transfer </a:t>
-            </a:r>
-          </a:p>
-          <a:p>
-            <a:pPr marL="0" indent="0">
-              <a:buNone/>
-            </a:pPr>
-            <a:r>
-              <a:rPr lang="en-US" dirty="0"/>
-              <a:t>	Tokens – representation, abstraction</a:t>
-            </a:r>
-          </a:p>
-          <a:p>
-            <a:pPr marL="0" indent="0">
-              <a:buNone/>
-            </a:pPr>
-            <a:r>
-              <a:rPr lang="en-US" dirty="0"/>
-              <a:t>	Cryptocurrency – settlement </a:t>
-            </a:r>
-          </a:p>
-          <a:p>
-            <a:pPr marL="0" indent="0">
-              <a:buNone/>
-            </a:pPr>
-            <a:r>
-              <a:rPr lang="en-US" dirty="0"/>
-              <a:t>     </a:t>
-            </a:r>
           </a:p>
           <a:p>
             <a:pPr marL="0" indent="0">
@@ -23108,7 +25488,7 @@
     </p:spTree>
     <p:extLst>
       <p:ext uri="{BB962C8B-B14F-4D97-AF65-F5344CB8AC3E}">
-        <p14:creationId xmlns:p14="http://schemas.microsoft.com/office/powerpoint/2010/main" val="4153081611"/>
+        <p14:creationId xmlns:p14="http://schemas.microsoft.com/office/powerpoint/2010/main" val="3677238896"/>
       </p:ext>
     </p:extLst>
   </p:cSld>
@@ -23615,15 +25995,6 @@
 </file>
 
 <file path=customXml/item1.xml><?xml version="1.0" encoding="utf-8"?>
-<p:properties xmlns:p="http://schemas.microsoft.com/office/2006/metadata/properties" xmlns:xsi="http://www.w3.org/2001/XMLSchema-instance" xmlns:pc="http://schemas.microsoft.com/office/infopath/2007/PartnerControls">
-  <documentManagement>
-    <MediaServiceKeyPoints xmlns="4fe3d20b-a07a-4c9a-bffb-7d845be05fd8" xsi:nil="true"/>
-    <_activity xmlns="4fe3d20b-a07a-4c9a-bffb-7d845be05fd8" xsi:nil="true"/>
-  </documentManagement>
-</p:properties>
-</file>
-
-<file path=customXml/item2.xml><?xml version="1.0" encoding="utf-8"?>
 <ct:contentTypeSchema xmlns:ct="http://schemas.microsoft.com/office/2006/metadata/contentType" xmlns:ma="http://schemas.microsoft.com/office/2006/metadata/properties/metaAttributes" ct:_="" ma:_="" ma:contentTypeName="Document" ma:contentTypeID="0x01010081536BDC192B6C4F81C96BF422C1FE42" ma:contentTypeVersion="16" ma:contentTypeDescription="Create a new document." ma:contentTypeScope="" ma:versionID="e61114f851d23e5147559605f015f271">
   <xsd:schema xmlns:xsd="http://www.w3.org/2001/XMLSchema" xmlns:xs="http://www.w3.org/2001/XMLSchema" xmlns:p="http://schemas.microsoft.com/office/2006/metadata/properties" xmlns:ns3="d29cdd0d-72e7-4351-868a-19765b075a7c" xmlns:ns4="4fe3d20b-a07a-4c9a-bffb-7d845be05fd8" targetNamespace="http://schemas.microsoft.com/office/2006/metadata/properties" ma:root="true" ma:fieldsID="03256859e1c856a1f96f5704a116d110" ns3:_="" ns4:_="">
     <xsd:import namespace="d29cdd0d-72e7-4351-868a-19765b075a7c"/>
@@ -23864,7 +26235,7 @@
 </ct:contentTypeSchema>
 </file>
 
-<file path=customXml/item3.xml><?xml version="1.0" encoding="utf-8"?>
+<file path=customXml/item2.xml><?xml version="1.0" encoding="utf-8"?>
 <?mso-contentType ?>
 <FormTemplates xmlns="http://schemas.microsoft.com/sharepoint/v3/contenttype/forms">
   <Display>DocumentLibraryForm</Display>
@@ -23873,24 +26244,16 @@
 </FormTemplates>
 </file>
 
-<file path=customXml/itemProps1.xml><?xml version="1.0" encoding="utf-8"?>
-<ds:datastoreItem xmlns:ds="http://schemas.openxmlformats.org/officeDocument/2006/customXml" ds:itemID="{FBDEF148-1770-458F-8F5B-C3D0A278AA97}">
-  <ds:schemaRefs>
-    <ds:schemaRef ds:uri="http://schemas.openxmlformats.org/package/2006/metadata/core-properties"/>
-    <ds:schemaRef ds:uri="http://purl.org/dc/dcmitype/"/>
-    <ds:schemaRef ds:uri="http://purl.org/dc/terms/"/>
-    <ds:schemaRef ds:uri="http://schemas.microsoft.com/office/2006/documentManagement/types"/>
-    <ds:schemaRef ds:uri="d29cdd0d-72e7-4351-868a-19765b075a7c"/>
-    <ds:schemaRef ds:uri="http://schemas.microsoft.com/office/infopath/2007/PartnerControls"/>
-    <ds:schemaRef ds:uri="http://www.w3.org/XML/1998/namespace"/>
-    <ds:schemaRef ds:uri="4fe3d20b-a07a-4c9a-bffb-7d845be05fd8"/>
-    <ds:schemaRef ds:uri="http://schemas.microsoft.com/office/2006/metadata/properties"/>
-    <ds:schemaRef ds:uri="http://purl.org/dc/elements/1.1/"/>
-  </ds:schemaRefs>
-</ds:datastoreItem>
+<file path=customXml/item3.xml><?xml version="1.0" encoding="utf-8"?>
+<p:properties xmlns:p="http://schemas.microsoft.com/office/2006/metadata/properties" xmlns:xsi="http://www.w3.org/2001/XMLSchema-instance" xmlns:pc="http://schemas.microsoft.com/office/infopath/2007/PartnerControls">
+  <documentManagement>
+    <MediaServiceKeyPoints xmlns="4fe3d20b-a07a-4c9a-bffb-7d845be05fd8" xsi:nil="true"/>
+    <_activity xmlns="4fe3d20b-a07a-4c9a-bffb-7d845be05fd8" xsi:nil="true"/>
+  </documentManagement>
+</p:properties>
 </file>
 
-<file path=customXml/itemProps2.xml><?xml version="1.0" encoding="utf-8"?>
+<file path=customXml/itemProps1.xml><?xml version="1.0" encoding="utf-8"?>
 <ds:datastoreItem xmlns:ds="http://schemas.openxmlformats.org/officeDocument/2006/customXml" ds:itemID="{3C8220CD-795F-4E6E-A0D5-AC84C71568AE}">
   <ds:schemaRefs>
     <ds:schemaRef ds:uri="http://schemas.microsoft.com/office/2006/metadata/contentType"/>
@@ -23909,10 +26272,27 @@
 </ds:datastoreItem>
 </file>
 
-<file path=customXml/itemProps3.xml><?xml version="1.0" encoding="utf-8"?>
+<file path=customXml/itemProps2.xml><?xml version="1.0" encoding="utf-8"?>
 <ds:datastoreItem xmlns:ds="http://schemas.openxmlformats.org/officeDocument/2006/customXml" ds:itemID="{1A449C04-64B3-4403-94B7-8D2284C38D1B}">
   <ds:schemaRefs>
     <ds:schemaRef ds:uri="http://schemas.microsoft.com/sharepoint/v3/contenttype/forms"/>
   </ds:schemaRefs>
 </ds:datastoreItem>
+</file>
+
+<file path=customXml/itemProps3.xml><?xml version="1.0" encoding="utf-8"?>
+<ds:datastoreItem xmlns:ds="http://schemas.openxmlformats.org/officeDocument/2006/customXml" ds:itemID="{FBDEF148-1770-458F-8F5B-C3D0A278AA97}">
+  <ds:schemaRefs>
+    <ds:schemaRef ds:uri="http://schemas.openxmlformats.org/package/2006/metadata/core-properties"/>
+    <ds:schemaRef ds:uri="http://purl.org/dc/dcmitype/"/>
+    <ds:schemaRef ds:uri="http://purl.org/dc/terms/"/>
+    <ds:schemaRef ds:uri="http://schemas.microsoft.com/office/2006/documentManagement/types"/>
+    <ds:schemaRef ds:uri="d29cdd0d-72e7-4351-868a-19765b075a7c"/>
+    <ds:schemaRef ds:uri="http://schemas.microsoft.com/office/infopath/2007/PartnerControls"/>
+    <ds:schemaRef ds:uri="http://www.w3.org/XML/1998/namespace"/>
+    <ds:schemaRef ds:uri="4fe3d20b-a07a-4c9a-bffb-7d845be05fd8"/>
+    <ds:schemaRef ds:uri="http://schemas.microsoft.com/office/2006/metadata/properties"/>
+    <ds:schemaRef ds:uri="http://purl.org/dc/elements/1.1/"/>
+  </ds:schemaRefs>
+</ds:datastoreItem>
 </file>